--- a/Customer Churn.pptx
+++ b/Customer Churn.pptx
@@ -5111,8 +5111,8 @@
     <dgm:cxn modelId="{1E047CC2-3F08-4C84-B83E-A85E6BF3AF86}" type="presOf" srcId="{68CE3C3B-2127-44A9-87B0-E3F60FA58B6C}" destId="{A178EA76-FFC5-4E91-BA2F-CF8FCEE039B5}" srcOrd="0" destOrd="4" presId="urn:microsoft.com/office/officeart/2005/8/layout/hList6"/>
     <dgm:cxn modelId="{7F70CB2F-43D8-4646-B837-153BE67C51EB}" srcId="{BB030AC7-28B6-45A8-B3F6-4EDE6A26A9B6}" destId="{DF400407-FD98-4C63-9E40-02D26EB3BD55}" srcOrd="0" destOrd="0" parTransId="{2E518BE7-554A-4A63-99CF-02D8F3721E8C}" sibTransId="{3394FC5C-34E4-4EC1-8CA4-585127B49A49}"/>
     <dgm:cxn modelId="{466B7FF1-B55B-42CE-91E2-5DCD305812E0}" type="presOf" srcId="{291AB384-C6B9-4D5B-9122-291D5096F20A}" destId="{15085B01-F3B3-4942-AA71-8844B207D030}" srcOrd="0" destOrd="2" presId="urn:microsoft.com/office/officeart/2005/8/layout/hList6"/>
+    <dgm:cxn modelId="{E41D8DB5-3453-48BA-8457-C2A015D1AB13}" type="presOf" srcId="{4E760EE6-FF1A-4195-8BB8-DF1C1CFBCD38}" destId="{0965AED3-0CEB-42A2-86AA-3FE3F4C7DAA1}" srcOrd="0" destOrd="0" presId="urn:microsoft.com/office/officeart/2005/8/layout/hList6"/>
     <dgm:cxn modelId="{A4B96D51-5EAF-4DB7-A231-C66FE62E6AD3}" type="presOf" srcId="{0589F478-C41C-4860-BEFD-E17EC264C8E4}" destId="{A055E98C-36DB-4F6B-8760-49DB41EE502A}" srcOrd="0" destOrd="8" presId="urn:microsoft.com/office/officeart/2005/8/layout/hList6"/>
-    <dgm:cxn modelId="{E41D8DB5-3453-48BA-8457-C2A015D1AB13}" type="presOf" srcId="{4E760EE6-FF1A-4195-8BB8-DF1C1CFBCD38}" destId="{0965AED3-0CEB-42A2-86AA-3FE3F4C7DAA1}" srcOrd="0" destOrd="0" presId="urn:microsoft.com/office/officeart/2005/8/layout/hList6"/>
     <dgm:cxn modelId="{59405F63-978E-4CE6-BF56-C55676EA9851}" type="presOf" srcId="{EA6C311C-5886-4FDF-8863-F38E926A016F}" destId="{C114D8A9-5AD1-4591-B1F3-DE43E1889018}" srcOrd="0" destOrd="4" presId="urn:microsoft.com/office/officeart/2005/8/layout/hList6"/>
     <dgm:cxn modelId="{D6DEE652-B684-408B-9606-24F85CF690B3}" type="presOf" srcId="{74950686-BFCD-416C-8929-497FF803BA8B}" destId="{C114D8A9-5AD1-4591-B1F3-DE43E1889018}" srcOrd="0" destOrd="5" presId="urn:microsoft.com/office/officeart/2005/8/layout/hList6"/>
     <dgm:cxn modelId="{E1E259B0-F6FB-47B9-89C9-EB847F9D03AE}" type="presOf" srcId="{8B057EE5-04FA-46E5-BEB2-84D132529EC1}" destId="{0965AED3-0CEB-42A2-86AA-3FE3F4C7DAA1}" srcOrd="0" destOrd="4" presId="urn:microsoft.com/office/officeart/2005/8/layout/hList6"/>
@@ -5710,8 +5710,8 @@
     <dgm:cxn modelId="{8C5DEC08-AC9A-4120-8127-4C27C49AADE1}" srcId="{5CDEFF74-3E78-4627-95B2-6B90D609A6CC}" destId="{B5BAEB16-8A6C-44F2-9224-F50B06B87E18}" srcOrd="2" destOrd="0" parTransId="{7AA057D1-E956-4320-AD59-C8688BFE794D}" sibTransId="{AD14F544-EA50-4518-ABE4-604C376E5A9D}"/>
     <dgm:cxn modelId="{BC8EB5AE-C8DE-4278-A48D-60A9F2AD5A02}" type="presOf" srcId="{5CDEFF74-3E78-4627-95B2-6B90D609A6CC}" destId="{C114D8A9-5AD1-4591-B1F3-DE43E1889018}" srcOrd="0" destOrd="0" presId="urn:microsoft.com/office/officeart/2005/8/layout/hList6"/>
     <dgm:cxn modelId="{912B0E6C-A8D5-41A1-ABB7-5C72F6DD7023}" type="presOf" srcId="{BF36B0A8-8B6A-4036-AB65-DA24B91C5442}" destId="{C114D8A9-5AD1-4591-B1F3-DE43E1889018}" srcOrd="0" destOrd="5" presId="urn:microsoft.com/office/officeart/2005/8/layout/hList6"/>
+    <dgm:cxn modelId="{75351FDE-975C-46CA-A26C-7699DBD9BE67}" type="presOf" srcId="{B5BAEB16-8A6C-44F2-9224-F50B06B87E18}" destId="{C114D8A9-5AD1-4591-B1F3-DE43E1889018}" srcOrd="0" destOrd="4" presId="urn:microsoft.com/office/officeart/2005/8/layout/hList6"/>
     <dgm:cxn modelId="{93E001BF-700C-4C7B-B141-1A615D847409}" srcId="{59E828D2-1A9D-4BB7-B1EB-6A9ED1F58C0C}" destId="{5CDEFF74-3E78-4627-95B2-6B90D609A6CC}" srcOrd="0" destOrd="0" parTransId="{CFCA459E-99D8-44BA-A400-7A57275A73E2}" sibTransId="{7573ECD9-14E2-4BDD-8975-A8EDFBA33B5E}"/>
-    <dgm:cxn modelId="{75351FDE-975C-46CA-A26C-7699DBD9BE67}" type="presOf" srcId="{B5BAEB16-8A6C-44F2-9224-F50B06B87E18}" destId="{C114D8A9-5AD1-4591-B1F3-DE43E1889018}" srcOrd="0" destOrd="4" presId="urn:microsoft.com/office/officeart/2005/8/layout/hList6"/>
     <dgm:cxn modelId="{1254BFBB-0450-45CD-BF55-D515D3D6CCA7}" type="presOf" srcId="{1C5FD141-F445-4433-8412-CE1F56852C98}" destId="{C114D8A9-5AD1-4591-B1F3-DE43E1889018}" srcOrd="0" destOrd="2" presId="urn:microsoft.com/office/officeart/2005/8/layout/hList6"/>
     <dgm:cxn modelId="{2536568C-04B8-471E-B964-6D9FD57D5AD3}" type="presParOf" srcId="{1F461873-51DF-43BE-BD11-E6ADDB79F4F2}" destId="{C114D8A9-5AD1-4591-B1F3-DE43E1889018}" srcOrd="0" destOrd="0" presId="urn:microsoft.com/office/officeart/2005/8/layout/hList6"/>
     <dgm:cxn modelId="{79EE7060-51E0-4172-8752-705A28AED501}" type="presParOf" srcId="{1F461873-51DF-43BE-BD11-E6ADDB79F4F2}" destId="{EB70960C-DA39-49F9-ADB2-763F27503F7F}" srcOrd="1" destOrd="0" presId="urn:microsoft.com/office/officeart/2005/8/layout/hList6"/>
@@ -12775,7 +12775,7 @@
           <a:p>
             <a:fld id="{C9EA85A1-A4B4-42FC-B5E5-8BA738DEE336}" type="datetimeFigureOut">
               <a:rPr lang="en-US" smtClean="0"/>
-              <a:t>6/20/2016</a:t>
+              <a:t>10/27/2016</a:t>
             </a:fld>
             <a:endParaRPr lang="en-US"/>
           </a:p>
@@ -13990,7 +13990,7 @@
           <a:p>
             <a:fld id="{38EEC551-8CDA-4EB6-89BB-2A86C9F091C8}" type="datetime8">
               <a:rPr lang="en-US" smtClean="0"/>
-              <a:t>6/20/2016 1:11 PM</a:t>
+              <a:t>10/27/2016 4:13 PM</a:t>
             </a:fld>
             <a:endParaRPr lang="en-US"/>
           </a:p>
@@ -14155,7 +14155,7 @@
           <a:p>
             <a:fld id="{38EEC551-8CDA-4EB6-89BB-2A86C9F091C8}" type="datetime8">
               <a:rPr lang="en-US" smtClean="0"/>
-              <a:t>6/20/2016 1:11 PM</a:t>
+              <a:t>10/27/2016 4:13 PM</a:t>
             </a:fld>
             <a:endParaRPr lang="en-US"/>
           </a:p>
@@ -14320,7 +14320,7 @@
           <a:p>
             <a:fld id="{38EEC551-8CDA-4EB6-89BB-2A86C9F091C8}" type="datetime8">
               <a:rPr lang="en-US" smtClean="0"/>
-              <a:t>6/20/2016 1:11 PM</a:t>
+              <a:t>10/27/2016 4:13 PM</a:t>
             </a:fld>
             <a:endParaRPr lang="en-US"/>
           </a:p>
@@ -14485,7 +14485,7 @@
           <a:p>
             <a:fld id="{38EEC551-8CDA-4EB6-89BB-2A86C9F091C8}" type="datetime8">
               <a:rPr lang="en-US" smtClean="0"/>
-              <a:t>6/20/2016 1:11 PM</a:t>
+              <a:t>10/27/2016 4:13 PM</a:t>
             </a:fld>
             <a:endParaRPr lang="en-US"/>
           </a:p>
@@ -14650,7 +14650,7 @@
           <a:p>
             <a:fld id="{38EEC551-8CDA-4EB6-89BB-2A86C9F091C8}" type="datetime8">
               <a:rPr lang="en-US" smtClean="0"/>
-              <a:t>6/20/2016 1:11 PM</a:t>
+              <a:t>10/27/2016 4:13 PM</a:t>
             </a:fld>
             <a:endParaRPr lang="en-US"/>
           </a:p>
@@ -14835,7 +14835,7 @@
           <a:p>
             <a:fld id="{05E86116-789A-4663-A48B-541A30C4142E}" type="datetimeFigureOut">
               <a:rPr lang="en-US" smtClean="0"/>
-              <a:t>6/20/2016</a:t>
+              <a:t>10/27/2016</a:t>
             </a:fld>
             <a:endParaRPr lang="en-US"/>
           </a:p>
@@ -15004,7 +15004,7 @@
           <a:p>
             <a:fld id="{05E86116-789A-4663-A48B-541A30C4142E}" type="datetimeFigureOut">
               <a:rPr lang="en-US" smtClean="0"/>
-              <a:t>6/20/2016</a:t>
+              <a:t>10/27/2016</a:t>
             </a:fld>
             <a:endParaRPr lang="en-US"/>
           </a:p>
@@ -15182,7 +15182,7 @@
           <a:p>
             <a:fld id="{05E86116-789A-4663-A48B-541A30C4142E}" type="datetimeFigureOut">
               <a:rPr lang="en-US" smtClean="0"/>
-              <a:t>6/20/2016</a:t>
+              <a:t>10/27/2016</a:t>
             </a:fld>
             <a:endParaRPr lang="en-US"/>
           </a:p>
@@ -15385,7 +15385,7 @@
           <a:p>
             <a:fld id="{05E86116-789A-4663-A48B-541A30C4142E}" type="datetimeFigureOut">
               <a:rPr lang="en-US" smtClean="0"/>
-              <a:t>6/20/2016</a:t>
+              <a:t>10/27/2016</a:t>
             </a:fld>
             <a:endParaRPr lang="en-US"/>
           </a:p>
@@ -15555,7 +15555,7 @@
           <a:p>
             <a:fld id="{05E86116-789A-4663-A48B-541A30C4142E}" type="datetimeFigureOut">
               <a:rPr lang="en-US" smtClean="0"/>
-              <a:t>6/20/2016</a:t>
+              <a:t>10/27/2016</a:t>
             </a:fld>
             <a:endParaRPr lang="en-US"/>
           </a:p>
@@ -15806,7 +15806,7 @@
           <a:p>
             <a:fld id="{05E86116-789A-4663-A48B-541A30C4142E}" type="datetimeFigureOut">
               <a:rPr lang="en-US" smtClean="0"/>
-              <a:t>6/20/2016</a:t>
+              <a:t>10/27/2016</a:t>
             </a:fld>
             <a:endParaRPr lang="en-US"/>
           </a:p>
@@ -16038,7 +16038,7 @@
           <a:p>
             <a:fld id="{05E86116-789A-4663-A48B-541A30C4142E}" type="datetimeFigureOut">
               <a:rPr lang="en-US" smtClean="0"/>
-              <a:t>6/20/2016</a:t>
+              <a:t>10/27/2016</a:t>
             </a:fld>
             <a:endParaRPr lang="en-US"/>
           </a:p>
@@ -16384,7 +16384,7 @@
           <a:p>
             <a:fld id="{05E86116-789A-4663-A48B-541A30C4142E}" type="datetimeFigureOut">
               <a:rPr lang="en-US" smtClean="0"/>
-              <a:t>6/20/2016</a:t>
+              <a:t>10/27/2016</a:t>
             </a:fld>
             <a:endParaRPr lang="en-US"/>
           </a:p>
@@ -16502,7 +16502,7 @@
           <a:p>
             <a:fld id="{05E86116-789A-4663-A48B-541A30C4142E}" type="datetimeFigureOut">
               <a:rPr lang="en-US" smtClean="0"/>
-              <a:t>6/20/2016</a:t>
+              <a:t>10/27/2016</a:t>
             </a:fld>
             <a:endParaRPr lang="en-US"/>
           </a:p>
@@ -16619,7 +16619,7 @@
           <a:p>
             <a:fld id="{05E86116-789A-4663-A48B-541A30C4142E}" type="datetimeFigureOut">
               <a:rPr lang="en-US" smtClean="0"/>
-              <a:t>6/20/2016</a:t>
+              <a:t>10/27/2016</a:t>
             </a:fld>
             <a:endParaRPr lang="en-US"/>
           </a:p>
@@ -16903,7 +16903,7 @@
           <a:p>
             <a:fld id="{05E86116-789A-4663-A48B-541A30C4142E}" type="datetimeFigureOut">
               <a:rPr lang="en-US" smtClean="0"/>
-              <a:t>6/20/2016</a:t>
+              <a:t>10/27/2016</a:t>
             </a:fld>
             <a:endParaRPr lang="en-US"/>
           </a:p>
@@ -17073,7 +17073,7 @@
           <a:p>
             <a:fld id="{05E86116-789A-4663-A48B-541A30C4142E}" type="datetimeFigureOut">
               <a:rPr lang="en-US" smtClean="0"/>
-              <a:t>6/20/2016</a:t>
+              <a:t>10/27/2016</a:t>
             </a:fld>
             <a:endParaRPr lang="en-US"/>
           </a:p>
@@ -17336,7 +17336,7 @@
           <a:p>
             <a:fld id="{05E86116-789A-4663-A48B-541A30C4142E}" type="datetimeFigureOut">
               <a:rPr lang="en-US" smtClean="0"/>
-              <a:t>6/20/2016</a:t>
+              <a:t>10/27/2016</a:t>
             </a:fld>
             <a:endParaRPr lang="en-US"/>
           </a:p>
@@ -17505,7 +17505,7 @@
           <a:p>
             <a:fld id="{05E86116-789A-4663-A48B-541A30C4142E}" type="datetimeFigureOut">
               <a:rPr lang="en-US" smtClean="0"/>
-              <a:t>6/20/2016</a:t>
+              <a:t>10/27/2016</a:t>
             </a:fld>
             <a:endParaRPr lang="en-US"/>
           </a:p>
@@ -17683,7 +17683,7 @@
           <a:p>
             <a:fld id="{05E86116-789A-4663-A48B-541A30C4142E}" type="datetimeFigureOut">
               <a:rPr lang="en-US" smtClean="0"/>
-              <a:t>6/20/2016</a:t>
+              <a:t>10/27/2016</a:t>
             </a:fld>
             <a:endParaRPr lang="en-US"/>
           </a:p>
@@ -17970,7 +17970,7 @@
           <a:p>
             <a:fld id="{05E86116-789A-4663-A48B-541A30C4142E}" type="datetimeFigureOut">
               <a:rPr lang="en-US" smtClean="0"/>
-              <a:t>6/20/2016</a:t>
+              <a:t>10/27/2016</a:t>
             </a:fld>
             <a:endParaRPr lang="en-US"/>
           </a:p>
@@ -18178,7 +18178,7 @@
           <a:p>
             <a:fld id="{05E86116-789A-4663-A48B-541A30C4142E}" type="datetimeFigureOut">
               <a:rPr lang="en-US" smtClean="0"/>
-              <a:t>6/20/2016</a:t>
+              <a:t>10/27/2016</a:t>
             </a:fld>
             <a:endParaRPr lang="en-US"/>
           </a:p>
@@ -18521,7 +18521,7 @@
           <a:p>
             <a:fld id="{05E86116-789A-4663-A48B-541A30C4142E}" type="datetimeFigureOut">
               <a:rPr lang="en-US" smtClean="0"/>
-              <a:t>6/20/2016</a:t>
+              <a:t>10/27/2016</a:t>
             </a:fld>
             <a:endParaRPr lang="en-US"/>
           </a:p>
@@ -18796,7 +18796,7 @@
           <a:p>
             <a:fld id="{05E86116-789A-4663-A48B-541A30C4142E}" type="datetimeFigureOut">
               <a:rPr lang="en-US" smtClean="0"/>
-              <a:t>6/20/2016</a:t>
+              <a:t>10/27/2016</a:t>
             </a:fld>
             <a:endParaRPr lang="en-US"/>
           </a:p>
@@ -19175,7 +19175,7 @@
           <a:p>
             <a:fld id="{05E86116-789A-4663-A48B-541A30C4142E}" type="datetimeFigureOut">
               <a:rPr lang="en-US" smtClean="0"/>
-              <a:t>6/20/2016</a:t>
+              <a:t>10/27/2016</a:t>
             </a:fld>
             <a:endParaRPr lang="en-US"/>
           </a:p>
@@ -19293,7 +19293,7 @@
           <a:p>
             <a:fld id="{05E86116-789A-4663-A48B-541A30C4142E}" type="datetimeFigureOut">
               <a:rPr lang="en-US" smtClean="0"/>
-              <a:t>6/20/2016</a:t>
+              <a:t>10/27/2016</a:t>
             </a:fld>
             <a:endParaRPr lang="en-US"/>
           </a:p>
@@ -19464,7 +19464,7 @@
           <a:p>
             <a:fld id="{05E86116-789A-4663-A48B-541A30C4142E}" type="datetimeFigureOut">
               <a:rPr lang="en-US" smtClean="0"/>
-              <a:t>6/20/2016</a:t>
+              <a:t>10/27/2016</a:t>
             </a:fld>
             <a:endParaRPr lang="en-US"/>
           </a:p>
@@ -19723,7 +19723,7 @@
           <a:p>
             <a:fld id="{05E86116-789A-4663-A48B-541A30C4142E}" type="datetimeFigureOut">
               <a:rPr lang="en-US" smtClean="0"/>
-              <a:t>6/20/2016</a:t>
+              <a:t>10/27/2016</a:t>
             </a:fld>
             <a:endParaRPr lang="en-US"/>
           </a:p>
@@ -20069,7 +20069,7 @@
           <a:p>
             <a:fld id="{05E86116-789A-4663-A48B-541A30C4142E}" type="datetimeFigureOut">
               <a:rPr lang="en-US" smtClean="0"/>
-              <a:t>6/20/2016</a:t>
+              <a:t>10/27/2016</a:t>
             </a:fld>
             <a:endParaRPr lang="en-US"/>
           </a:p>
@@ -20445,7 +20445,7 @@
           <a:p>
             <a:fld id="{05E86116-789A-4663-A48B-541A30C4142E}" type="datetimeFigureOut">
               <a:rPr lang="en-US" smtClean="0"/>
-              <a:t>6/20/2016</a:t>
+              <a:t>10/27/2016</a:t>
             </a:fld>
             <a:endParaRPr lang="en-US"/>
           </a:p>
@@ -20615,7 +20615,7 @@
           <a:p>
             <a:fld id="{05E86116-789A-4663-A48B-541A30C4142E}" type="datetimeFigureOut">
               <a:rPr lang="en-US" smtClean="0"/>
-              <a:t>6/20/2016</a:t>
+              <a:t>10/27/2016</a:t>
             </a:fld>
             <a:endParaRPr lang="en-US"/>
           </a:p>
@@ -20871,7 +20871,7 @@
           <a:p>
             <a:fld id="{05E86116-789A-4663-A48B-541A30C4142E}" type="datetimeFigureOut">
               <a:rPr lang="en-US" smtClean="0"/>
-              <a:t>6/20/2016</a:t>
+              <a:t>10/27/2016</a:t>
             </a:fld>
             <a:endParaRPr lang="en-US"/>
           </a:p>
@@ -21103,7 +21103,7 @@
           <a:p>
             <a:fld id="{05E86116-789A-4663-A48B-541A30C4142E}" type="datetimeFigureOut">
               <a:rPr lang="en-US" smtClean="0"/>
-              <a:t>6/20/2016</a:t>
+              <a:t>10/27/2016</a:t>
             </a:fld>
             <a:endParaRPr lang="en-US"/>
           </a:p>
@@ -21449,7 +21449,7 @@
           <a:p>
             <a:fld id="{05E86116-789A-4663-A48B-541A30C4142E}" type="datetimeFigureOut">
               <a:rPr lang="en-US" smtClean="0"/>
-              <a:t>6/20/2016</a:t>
+              <a:t>10/27/2016</a:t>
             </a:fld>
             <a:endParaRPr lang="en-US"/>
           </a:p>
@@ -21567,7 +21567,7 @@
           <a:p>
             <a:fld id="{05E86116-789A-4663-A48B-541A30C4142E}" type="datetimeFigureOut">
               <a:rPr lang="en-US" smtClean="0"/>
-              <a:t>6/20/2016</a:t>
+              <a:t>10/27/2016</a:t>
             </a:fld>
             <a:endParaRPr lang="en-US"/>
           </a:p>
@@ -21684,7 +21684,7 @@
           <a:p>
             <a:fld id="{05E86116-789A-4663-A48B-541A30C4142E}" type="datetimeFigureOut">
               <a:rPr lang="en-US" smtClean="0"/>
-              <a:t>6/20/2016</a:t>
+              <a:t>10/27/2016</a:t>
             </a:fld>
             <a:endParaRPr lang="en-US"/>
           </a:p>
@@ -21968,7 +21968,7 @@
           <a:p>
             <a:fld id="{05E86116-789A-4663-A48B-541A30C4142E}" type="datetimeFigureOut">
               <a:rPr lang="en-US" smtClean="0"/>
-              <a:t>6/20/2016</a:t>
+              <a:t>10/27/2016</a:t>
             </a:fld>
             <a:endParaRPr lang="en-US"/>
           </a:p>
@@ -22231,7 +22231,7 @@
           <a:p>
             <a:fld id="{05E86116-789A-4663-A48B-541A30C4142E}" type="datetimeFigureOut">
               <a:rPr lang="en-US" smtClean="0"/>
-              <a:t>6/20/2016</a:t>
+              <a:t>10/27/2016</a:t>
             </a:fld>
             <a:endParaRPr lang="en-US"/>
           </a:p>
@@ -22445,7 +22445,7 @@
           <a:p>
             <a:fld id="{05E86116-789A-4663-A48B-541A30C4142E}" type="datetimeFigureOut">
               <a:rPr lang="en-US" smtClean="0"/>
-              <a:t>6/20/2016</a:t>
+              <a:t>10/27/2016</a:t>
             </a:fld>
             <a:endParaRPr lang="en-US"/>
           </a:p>
@@ -22975,7 +22975,7 @@
           <a:p>
             <a:fld id="{05E86116-789A-4663-A48B-541A30C4142E}" type="datetimeFigureOut">
               <a:rPr lang="en-US" smtClean="0"/>
-              <a:t>6/20/2016</a:t>
+              <a:t>10/27/2016</a:t>
             </a:fld>
             <a:endParaRPr lang="en-US"/>
           </a:p>
@@ -23578,7 +23578,7 @@
           <a:p>
             <a:fld id="{05E86116-789A-4663-A48B-541A30C4142E}" type="datetimeFigureOut">
               <a:rPr lang="en-US" smtClean="0"/>
-              <a:t>6/20/2016</a:t>
+              <a:t>10/27/2016</a:t>
             </a:fld>
             <a:endParaRPr lang="en-US"/>
           </a:p>
@@ -24239,14 +24239,14 @@
           </a:ln>
           <a:extLst>
             <a:ext uri="{909E8E84-426E-40dd-AFC4-6F175D3DCCD1}">
-              <a14:hiddenFill xmlns:a14="http://schemas.microsoft.com/office/drawing/2010/main" xmlns="">
+              <a14:hiddenFill xmlns="" xmlns:a14="http://schemas.microsoft.com/office/drawing/2010/main">
                 <a:solidFill>
                   <a:srgbClr val="FFFFFF"/>
                 </a:solidFill>
               </a14:hiddenFill>
             </a:ext>
             <a:ext uri="{91240B29-F687-4f45-9708-019B960494DF}">
-              <a14:hiddenLine xmlns:a14="http://schemas.microsoft.com/office/drawing/2010/main" xmlns="" w="9525">
+              <a14:hiddenLine xmlns="" xmlns:a14="http://schemas.microsoft.com/office/drawing/2010/main" w="9525">
                 <a:solidFill>
                   <a:srgbClr val="000000"/>
                 </a:solidFill>
@@ -24277,14 +24277,14 @@
           <a:noFill/>
           <a:extLst>
             <a:ext uri="{909E8E84-426E-40dd-AFC4-6F175D3DCCD1}">
-              <a14:hiddenFill xmlns:a14="http://schemas.microsoft.com/office/drawing/2010/main" xmlns="">
+              <a14:hiddenFill xmlns="" xmlns:a14="http://schemas.microsoft.com/office/drawing/2010/main">
                 <a:solidFill>
                   <a:srgbClr val="FFFFFF"/>
                 </a:solidFill>
               </a14:hiddenFill>
             </a:ext>
             <a:ext uri="{91240B29-F687-4f45-9708-019B960494DF}">
-              <a14:hiddenLine xmlns:a14="http://schemas.microsoft.com/office/drawing/2010/main" xmlns="" w="9525">
+              <a14:hiddenLine xmlns="" xmlns:a14="http://schemas.microsoft.com/office/drawing/2010/main" w="9525">
                 <a:solidFill>
                   <a:srgbClr val="000000"/>
                 </a:solidFill>
@@ -24784,14 +24784,14 @@
           <a:noFill/>
           <a:extLst>
             <a:ext uri="{909E8E84-426E-40dd-AFC4-6F175D3DCCD1}">
-              <a14:hiddenFill xmlns:a14="http://schemas.microsoft.com/office/drawing/2010/main" xmlns="">
+              <a14:hiddenFill xmlns="" xmlns:a14="http://schemas.microsoft.com/office/drawing/2010/main">
                 <a:solidFill>
                   <a:srgbClr val="FFFFFF"/>
                 </a:solidFill>
               </a14:hiddenFill>
             </a:ext>
             <a:ext uri="{91240B29-F687-4f45-9708-019B960494DF}">
-              <a14:hiddenLine xmlns:a14="http://schemas.microsoft.com/office/drawing/2010/main" xmlns="" w="9525">
+              <a14:hiddenLine xmlns="" xmlns:a14="http://schemas.microsoft.com/office/drawing/2010/main" w="9525">
                 <a:solidFill>
                   <a:srgbClr val="000000"/>
                 </a:solidFill>
@@ -27195,14 +27195,14 @@
           </a:ln>
           <a:extLst>
             <a:ext uri="{909E8E84-426E-40dd-AFC4-6F175D3DCCD1}">
-              <a14:hiddenFill xmlns:a14="http://schemas.microsoft.com/office/drawing/2010/main" xmlns="">
+              <a14:hiddenFill xmlns="" xmlns:a14="http://schemas.microsoft.com/office/drawing/2010/main">
                 <a:solidFill>
                   <a:srgbClr val="FFFFFF"/>
                 </a:solidFill>
               </a14:hiddenFill>
             </a:ext>
             <a:ext uri="{91240B29-F687-4f45-9708-019B960494DF}">
-              <a14:hiddenLine xmlns:a14="http://schemas.microsoft.com/office/drawing/2010/main" xmlns="" w="9525">
+              <a14:hiddenLine xmlns="" xmlns:a14="http://schemas.microsoft.com/office/drawing/2010/main" w="9525">
                 <a:solidFill>
                   <a:srgbClr val="000000"/>
                 </a:solidFill>
@@ -27375,14 +27375,14 @@
           <a:noFill/>
           <a:extLst>
             <a:ext uri="{909E8E84-426E-40dd-AFC4-6F175D3DCCD1}">
-              <a14:hiddenFill xmlns:a14="http://schemas.microsoft.com/office/drawing/2010/main" xmlns="">
+              <a14:hiddenFill xmlns="" xmlns:a14="http://schemas.microsoft.com/office/drawing/2010/main">
                 <a:solidFill>
                   <a:srgbClr val="FFFFFF"/>
                 </a:solidFill>
               </a14:hiddenFill>
             </a:ext>
             <a:ext uri="{91240B29-F687-4f45-9708-019B960494DF}">
-              <a14:hiddenLine xmlns:a14="http://schemas.microsoft.com/office/drawing/2010/main" xmlns="" w="9525">
+              <a14:hiddenLine xmlns="" xmlns:a14="http://schemas.microsoft.com/office/drawing/2010/main" w="9525">
                 <a:solidFill>
                   <a:srgbClr val="000000"/>
                 </a:solidFill>
@@ -27594,14 +27594,14 @@
           <a:noFill/>
           <a:extLst>
             <a:ext uri="{909E8E84-426E-40dd-AFC4-6F175D3DCCD1}">
-              <a14:hiddenFill xmlns:a14="http://schemas.microsoft.com/office/drawing/2010/main" xmlns="">
+              <a14:hiddenFill xmlns="" xmlns:a14="http://schemas.microsoft.com/office/drawing/2010/main">
                 <a:solidFill>
                   <a:srgbClr val="FFFFFF"/>
                 </a:solidFill>
               </a14:hiddenFill>
             </a:ext>
             <a:ext uri="{91240B29-F687-4f45-9708-019B960494DF}">
-              <a14:hiddenLine xmlns:a14="http://schemas.microsoft.com/office/drawing/2010/main" xmlns="" w="9525">
+              <a14:hiddenLine xmlns="" xmlns:a14="http://schemas.microsoft.com/office/drawing/2010/main" w="9525">
                 <a:solidFill>
                   <a:srgbClr val="000000"/>
                 </a:solidFill>
@@ -28244,14 +28244,14 @@
           </a:ln>
           <a:extLst>
             <a:ext uri="{909E8E84-426E-40dd-AFC4-6F175D3DCCD1}">
-              <a14:hiddenFill xmlns:a14="http://schemas.microsoft.com/office/drawing/2010/main" xmlns="">
+              <a14:hiddenFill xmlns="" xmlns:a14="http://schemas.microsoft.com/office/drawing/2010/main">
                 <a:solidFill>
                   <a:srgbClr val="FFFFFF"/>
                 </a:solidFill>
               </a14:hiddenFill>
             </a:ext>
             <a:ext uri="{91240B29-F687-4f45-9708-019B960494DF}">
-              <a14:hiddenLine xmlns:a14="http://schemas.microsoft.com/office/drawing/2010/main" xmlns="" w="9525">
+              <a14:hiddenLine xmlns="" xmlns:a14="http://schemas.microsoft.com/office/drawing/2010/main" w="9525">
                 <a:solidFill>
                   <a:srgbClr val="000000"/>
                 </a:solidFill>
@@ -28424,14 +28424,14 @@
           <a:noFill/>
           <a:extLst>
             <a:ext uri="{909E8E84-426E-40dd-AFC4-6F175D3DCCD1}">
-              <a14:hiddenFill xmlns:a14="http://schemas.microsoft.com/office/drawing/2010/main" xmlns="">
+              <a14:hiddenFill xmlns="" xmlns:a14="http://schemas.microsoft.com/office/drawing/2010/main">
                 <a:solidFill>
                   <a:srgbClr val="FFFFFF"/>
                 </a:solidFill>
               </a14:hiddenFill>
             </a:ext>
             <a:ext uri="{91240B29-F687-4f45-9708-019B960494DF}">
-              <a14:hiddenLine xmlns:a14="http://schemas.microsoft.com/office/drawing/2010/main" xmlns="" w="9525">
+              <a14:hiddenLine xmlns="" xmlns:a14="http://schemas.microsoft.com/office/drawing/2010/main" w="9525">
                 <a:solidFill>
                   <a:srgbClr val="000000"/>
                 </a:solidFill>
@@ -28643,14 +28643,14 @@
           <a:noFill/>
           <a:extLst>
             <a:ext uri="{909E8E84-426E-40dd-AFC4-6F175D3DCCD1}">
-              <a14:hiddenFill xmlns:a14="http://schemas.microsoft.com/office/drawing/2010/main" xmlns="">
+              <a14:hiddenFill xmlns="" xmlns:a14="http://schemas.microsoft.com/office/drawing/2010/main">
                 <a:solidFill>
                   <a:srgbClr val="FFFFFF"/>
                 </a:solidFill>
               </a14:hiddenFill>
             </a:ext>
             <a:ext uri="{91240B29-F687-4f45-9708-019B960494DF}">
-              <a14:hiddenLine xmlns:a14="http://schemas.microsoft.com/office/drawing/2010/main" xmlns="" w="9525">
+              <a14:hiddenLine xmlns="" xmlns:a14="http://schemas.microsoft.com/office/drawing/2010/main" w="9525">
                 <a:solidFill>
                   <a:srgbClr val="000000"/>
                 </a:solidFill>
@@ -29095,11 +29095,7 @@
             </a:pPr>
             <a:r>
               <a:rPr lang="en-US"/>
-              <a:t>Windows </a:t>
-            </a:r>
-            <a:r>
-              <a:rPr lang="en-US"/>
-              <a:t>side requirement</a:t>
+              <a:t>Windows side requirement</a:t>
             </a:r>
           </a:p>
           <a:p>
@@ -29131,7 +29127,6 @@
               <a:rPr lang="en-US"/>
               <a:t>Visual Studio with Azure SDK</a:t>
             </a:r>
-            <a:endParaRPr lang="en-US"/>
           </a:p>
         </p:txBody>
       </p:sp>
@@ -36384,7 +36379,7 @@
         </p:nvSpPr>
         <p:spPr>
           <a:xfrm>
-            <a:off x="1108292" y="4115072"/>
+            <a:off x="1108292" y="4305897"/>
             <a:ext cx="2164996" cy="1973527"/>
           </a:xfrm>
         </p:spPr>
@@ -36526,7 +36521,7 @@
         </p:nvCxnSpPr>
         <p:spPr>
           <a:xfrm>
-            <a:off x="1097280" y="2868562"/>
+            <a:off x="1097280" y="3250221"/>
             <a:ext cx="7691284" cy="0"/>
           </a:xfrm>
           <a:prstGeom prst="line">
@@ -36556,8 +36551,8 @@
           <p:nvPr/>
         </p:nvSpPr>
         <p:spPr>
-          <a:xfrm rot="16200000">
-            <a:off x="7013598" y="1543418"/>
+          <a:xfrm rot="5400000">
+            <a:off x="7013598" y="1447996"/>
             <a:ext cx="386409" cy="3163529"/>
           </a:xfrm>
           <a:prstGeom prst="leftBrace">
@@ -36620,8 +36615,8 @@
           <p:nvPr/>
         </p:nvSpPr>
         <p:spPr>
-          <a:xfrm rot="16200000">
-            <a:off x="3167954" y="861303"/>
+          <a:xfrm rot="5400000">
+            <a:off x="3167954" y="765881"/>
             <a:ext cx="386409" cy="4527758"/>
           </a:xfrm>
           <a:prstGeom prst="leftBrace">
@@ -36679,31 +36674,221 @@
       </p:sp>
       <p:sp>
         <p:nvSpPr>
-          <p:cNvPr id="10" name="Left Brace 9"/>
+          <p:cNvPr id="11" name="TextBox 10"/>
+          <p:cNvSpPr txBox="1"/>
+          <p:nvPr/>
+        </p:nvSpPr>
+        <p:spPr>
+          <a:xfrm>
+            <a:off x="5251999" y="3706969"/>
+            <a:ext cx="3575018" cy="369332"/>
+          </a:xfrm>
+          <a:prstGeom prst="rect">
+            <a:avLst/>
+          </a:prstGeom>
+          <a:noFill/>
+          <a:ln w="19050">
+            <a:solidFill>
+              <a:srgbClr val="FF0000"/>
+            </a:solidFill>
+          </a:ln>
+        </p:spPr>
+        <p:txBody>
+          <a:bodyPr wrap="none" rtlCol="0">
+            <a:spAutoFit/>
+          </a:bodyPr>
+          <a:lstStyle/>
+          <a:p>
+            <a:pPr marL="0" marR="0" lvl="0" indent="0" defTabSz="914400" eaLnBrk="1" fontAlgn="auto" latinLnBrk="0" hangingPunct="1">
+              <a:lnSpc>
+                <a:spcPct val="100000"/>
+              </a:lnSpc>
+              <a:spcBef>
+                <a:spcPts val="0"/>
+              </a:spcBef>
+              <a:spcAft>
+                <a:spcPts val="0"/>
+              </a:spcAft>
+              <a:buClrTx/>
+              <a:buSzTx/>
+              <a:buFontTx/>
+              <a:buNone/>
+              <a:tabLst/>
+              <a:defRPr/>
+            </a:pPr>
+            <a:r>
+              <a:rPr lang="en-US" kern="0" dirty="0">
+                <a:solidFill>
+                  <a:sysClr val="windowText" lastClr="000000"/>
+                </a:solidFill>
+              </a:rPr>
+              <a:t>Latest Transaction for All Customers</a:t>
+            </a:r>
+            <a:endParaRPr kumimoji="0" lang="en-US" sz="1800" b="0" i="0" u="none" strike="noStrike" kern="0" cap="none" spc="0" normalizeH="0" baseline="0" noProof="0" dirty="0">
+              <a:ln>
+                <a:noFill/>
+              </a:ln>
+              <a:solidFill>
+                <a:sysClr val="windowText" lastClr="000000"/>
+              </a:solidFill>
+              <a:effectLst/>
+              <a:uLnTx/>
+              <a:uFillTx/>
+            </a:endParaRPr>
+          </a:p>
+        </p:txBody>
+      </p:sp>
+      <p:sp>
+        <p:nvSpPr>
+          <p:cNvPr id="12" name="TextBox 11"/>
+          <p:cNvSpPr txBox="1"/>
+          <p:nvPr/>
+        </p:nvSpPr>
+        <p:spPr>
+          <a:xfrm>
+            <a:off x="6757800" y="2447624"/>
+            <a:ext cx="898003" cy="369332"/>
+          </a:xfrm>
+          <a:prstGeom prst="rect">
+            <a:avLst/>
+          </a:prstGeom>
+          <a:noFill/>
+          <a:ln w="28575">
+            <a:solidFill>
+              <a:srgbClr val="FFC000"/>
+            </a:solidFill>
+          </a:ln>
+        </p:spPr>
+        <p:txBody>
+          <a:bodyPr wrap="none" rtlCol="0">
+            <a:spAutoFit/>
+          </a:bodyPr>
+          <a:lstStyle/>
+          <a:p>
+            <a:pPr marL="0" marR="0" lvl="0" indent="0" defTabSz="914400" eaLnBrk="1" fontAlgn="auto" latinLnBrk="0" hangingPunct="1">
+              <a:lnSpc>
+                <a:spcPct val="100000"/>
+              </a:lnSpc>
+              <a:spcBef>
+                <a:spcPts val="0"/>
+              </a:spcBef>
+              <a:spcAft>
+                <a:spcPts val="0"/>
+              </a:spcAft>
+              <a:buClrTx/>
+              <a:buSzTx/>
+              <a:buFontTx/>
+              <a:buNone/>
+              <a:tabLst/>
+              <a:defRPr/>
+            </a:pPr>
+            <a:r>
+              <a:rPr kumimoji="0" lang="en-US" sz="1800" b="0" i="0" u="none" strike="noStrike" kern="0" cap="none" spc="0" normalizeH="0" baseline="0" noProof="0" dirty="0">
+                <a:ln>
+                  <a:noFill/>
+                </a:ln>
+                <a:solidFill>
+                  <a:sysClr val="windowText" lastClr="000000"/>
+                </a:solidFill>
+                <a:effectLst/>
+                <a:uLnTx/>
+                <a:uFillTx/>
+              </a:rPr>
+              <a:t>21 days</a:t>
+            </a:r>
+          </a:p>
+        </p:txBody>
+      </p:sp>
+      <p:sp>
+        <p:nvSpPr>
+          <p:cNvPr id="13" name="TextBox 12"/>
+          <p:cNvSpPr txBox="1"/>
+          <p:nvPr/>
+        </p:nvSpPr>
+        <p:spPr>
+          <a:xfrm>
+            <a:off x="2472935" y="2467429"/>
+            <a:ext cx="1776448" cy="369332"/>
+          </a:xfrm>
+          <a:prstGeom prst="rect">
+            <a:avLst/>
+          </a:prstGeom>
+          <a:noFill/>
+          <a:ln w="28575">
+            <a:solidFill>
+              <a:srgbClr val="FFC000"/>
+            </a:solidFill>
+          </a:ln>
+        </p:spPr>
+        <p:txBody>
+          <a:bodyPr wrap="none" rtlCol="0">
+            <a:spAutoFit/>
+          </a:bodyPr>
+          <a:lstStyle/>
+          <a:p>
+            <a:pPr marL="0" marR="0" lvl="0" indent="0" defTabSz="914400" eaLnBrk="1" fontAlgn="auto" latinLnBrk="0" hangingPunct="1">
+              <a:lnSpc>
+                <a:spcPct val="100000"/>
+              </a:lnSpc>
+              <a:spcBef>
+                <a:spcPts val="0"/>
+              </a:spcBef>
+              <a:spcAft>
+                <a:spcPts val="0"/>
+              </a:spcAft>
+              <a:buClrTx/>
+              <a:buSzTx/>
+              <a:buFontTx/>
+              <a:buNone/>
+              <a:tabLst/>
+              <a:defRPr/>
+            </a:pPr>
+            <a:r>
+              <a:rPr kumimoji="0" lang="en-US" sz="1800" b="0" i="0" u="none" strike="noStrike" kern="0" cap="none" spc="0" normalizeH="0" baseline="0" noProof="0" dirty="0">
+                <a:ln>
+                  <a:noFill/>
+                </a:ln>
+                <a:solidFill>
+                  <a:sysClr val="windowText" lastClr="000000"/>
+                </a:solidFill>
+                <a:effectLst/>
+                <a:uLnTx/>
+                <a:uFillTx/>
+              </a:rPr>
+              <a:t>Pre-churn Period</a:t>
+            </a:r>
+          </a:p>
+        </p:txBody>
+      </p:sp>
+      <p:sp>
+        <p:nvSpPr>
+          <p:cNvPr id="15" name="Right Arrow 14"/>
           <p:cNvSpPr/>
           <p:nvPr/>
         </p:nvSpPr>
         <p:spPr>
-          <a:xfrm rot="5400000">
-            <a:off x="4749718" y="-1263204"/>
-            <a:ext cx="386409" cy="7691286"/>
+          <a:xfrm rot="19902285">
+            <a:off x="9011880" y="2262598"/>
+            <a:ext cx="597309" cy="386410"/>
           </a:xfrm>
-          <a:prstGeom prst="leftBrace">
+          <a:prstGeom prst="rightArrow">
             <a:avLst/>
           </a:prstGeom>
         </p:spPr>
         <p:style>
-          <a:lnRef idx="1">
-            <a:schemeClr val="accent1"/>
+          <a:lnRef idx="2">
+            <a:schemeClr val="accent1">
+              <a:shade val="50000"/>
+            </a:schemeClr>
           </a:lnRef>
-          <a:fillRef idx="0">
+          <a:fillRef idx="1">
             <a:schemeClr val="accent1"/>
           </a:fillRef>
           <a:effectRef idx="0">
             <a:schemeClr val="accent1"/>
           </a:effectRef>
           <a:fontRef idx="minor">
-            <a:schemeClr val="tx1"/>
+            <a:schemeClr val="lt1"/>
           </a:fontRef>
         </p:style>
         <p:txBody>
@@ -36743,181 +36928,13 @@
       </p:sp>
       <p:sp>
         <p:nvSpPr>
-          <p:cNvPr id="11" name="TextBox 10"/>
-          <p:cNvSpPr txBox="1"/>
-          <p:nvPr/>
-        </p:nvSpPr>
-        <p:spPr>
-          <a:xfrm>
-            <a:off x="4017461" y="2042767"/>
-            <a:ext cx="2021002" cy="369332"/>
-          </a:xfrm>
-          <a:prstGeom prst="rect">
-            <a:avLst/>
-          </a:prstGeom>
-          <a:noFill/>
-        </p:spPr>
-        <p:txBody>
-          <a:bodyPr wrap="none" rtlCol="0">
-            <a:spAutoFit/>
-          </a:bodyPr>
-          <a:lstStyle/>
-          <a:p>
-            <a:pPr marL="0" marR="0" lvl="0" indent="0" defTabSz="914400" eaLnBrk="1" fontAlgn="auto" latinLnBrk="0" hangingPunct="1">
-              <a:lnSpc>
-                <a:spcPct val="100000"/>
-              </a:lnSpc>
-              <a:spcBef>
-                <a:spcPts val="0"/>
-              </a:spcBef>
-              <a:spcAft>
-                <a:spcPts val="0"/>
-              </a:spcAft>
-              <a:buClrTx/>
-              <a:buSzTx/>
-              <a:buFontTx/>
-              <a:buNone/>
-              <a:tabLst/>
-              <a:defRPr/>
-            </a:pPr>
-            <a:r>
-              <a:rPr kumimoji="0" lang="en-US" sz="1800" b="0" i="0" u="none" strike="noStrike" kern="0" cap="none" spc="0" normalizeH="0" baseline="0" noProof="0">
-                <a:ln>
-                  <a:noFill/>
-                </a:ln>
-                <a:solidFill>
-                  <a:sysClr val="windowText" lastClr="000000"/>
-                </a:solidFill>
-                <a:effectLst/>
-                <a:uLnTx/>
-                <a:uFillTx/>
-              </a:rPr>
-              <a:t>Customer Life Cycle</a:t>
-            </a:r>
-          </a:p>
-        </p:txBody>
-      </p:sp>
-      <p:sp>
-        <p:nvSpPr>
-          <p:cNvPr id="12" name="TextBox 11"/>
-          <p:cNvSpPr txBox="1"/>
-          <p:nvPr/>
-        </p:nvSpPr>
-        <p:spPr>
-          <a:xfrm>
-            <a:off x="6118859" y="3366743"/>
-            <a:ext cx="2669705" cy="369332"/>
-          </a:xfrm>
-          <a:prstGeom prst="rect">
-            <a:avLst/>
-          </a:prstGeom>
-          <a:noFill/>
-        </p:spPr>
-        <p:txBody>
-          <a:bodyPr wrap="none" rtlCol="0">
-            <a:spAutoFit/>
-          </a:bodyPr>
-          <a:lstStyle/>
-          <a:p>
-            <a:pPr marL="0" marR="0" lvl="0" indent="0" defTabSz="914400" eaLnBrk="1" fontAlgn="auto" latinLnBrk="0" hangingPunct="1">
-              <a:lnSpc>
-                <a:spcPct val="100000"/>
-              </a:lnSpc>
-              <a:spcBef>
-                <a:spcPts val="0"/>
-              </a:spcBef>
-              <a:spcAft>
-                <a:spcPts val="0"/>
-              </a:spcAft>
-              <a:buClrTx/>
-              <a:buSzTx/>
-              <a:buFontTx/>
-              <a:buNone/>
-              <a:tabLst/>
-              <a:defRPr/>
-            </a:pPr>
-            <a:r>
-              <a:rPr kumimoji="0" lang="en-US" sz="1800" b="0" i="0" u="none" strike="noStrike" kern="0" cap="none" spc="0" normalizeH="0" baseline="0" noProof="0">
-                <a:ln>
-                  <a:noFill/>
-                </a:ln>
-                <a:solidFill>
-                  <a:sysClr val="windowText" lastClr="000000"/>
-                </a:solidFill>
-                <a:effectLst/>
-                <a:uLnTx/>
-                <a:uFillTx/>
-              </a:rPr>
-              <a:t>Pre-churn Period (21 days)</a:t>
-            </a:r>
-          </a:p>
-        </p:txBody>
-      </p:sp>
-      <p:sp>
-        <p:nvSpPr>
-          <p:cNvPr id="13" name="TextBox 12"/>
-          <p:cNvSpPr txBox="1"/>
-          <p:nvPr/>
-        </p:nvSpPr>
-        <p:spPr>
-          <a:xfrm>
-            <a:off x="2240036" y="3376759"/>
-            <a:ext cx="2440155" cy="369332"/>
-          </a:xfrm>
-          <a:prstGeom prst="rect">
-            <a:avLst/>
-          </a:prstGeom>
-          <a:noFill/>
-        </p:spPr>
-        <p:txBody>
-          <a:bodyPr wrap="none" rtlCol="0">
-            <a:spAutoFit/>
-          </a:bodyPr>
-          <a:lstStyle/>
-          <a:p>
-            <a:pPr marL="0" marR="0" lvl="0" indent="0" defTabSz="914400" eaLnBrk="1" fontAlgn="auto" latinLnBrk="0" hangingPunct="1">
-              <a:lnSpc>
-                <a:spcPct val="100000"/>
-              </a:lnSpc>
-              <a:spcBef>
-                <a:spcPts val="0"/>
-              </a:spcBef>
-              <a:spcAft>
-                <a:spcPts val="0"/>
-              </a:spcAft>
-              <a:buClrTx/>
-              <a:buSzTx/>
-              <a:buFontTx/>
-              <a:buNone/>
-              <a:tabLst/>
-              <a:defRPr/>
-            </a:pPr>
-            <a:r>
-              <a:rPr kumimoji="0" lang="en-US" sz="1800" b="0" i="0" u="none" strike="noStrike" kern="0" cap="none" spc="0" normalizeH="0" baseline="0" noProof="0">
-                <a:ln>
-                  <a:noFill/>
-                </a:ln>
-                <a:solidFill>
-                  <a:sysClr val="windowText" lastClr="000000"/>
-                </a:solidFill>
-                <a:effectLst/>
-                <a:uLnTx/>
-                <a:uFillTx/>
-              </a:rPr>
-              <a:t>Before Pre-churn Period</a:t>
-            </a:r>
-          </a:p>
-        </p:txBody>
-      </p:sp>
-      <p:sp>
-        <p:nvSpPr>
-          <p:cNvPr id="15" name="Right Arrow 14"/>
+          <p:cNvPr id="17" name="Right Arrow 16"/>
           <p:cNvSpPr/>
           <p:nvPr/>
         </p:nvSpPr>
         <p:spPr>
-          <a:xfrm rot="19902285">
-            <a:off x="9014543" y="2345915"/>
+          <a:xfrm rot="1567820">
+            <a:off x="9013212" y="2877534"/>
             <a:ext cx="597309" cy="386410"/>
           </a:xfrm>
           <a:prstGeom prst="rightArrow">
@@ -36977,80 +36994,14 @@
       </p:sp>
       <p:sp>
         <p:nvSpPr>
-          <p:cNvPr id="17" name="Right Arrow 16"/>
-          <p:cNvSpPr/>
-          <p:nvPr/>
-        </p:nvSpPr>
-        <p:spPr>
-          <a:xfrm rot="1567820">
-            <a:off x="9013211" y="3043763"/>
-            <a:ext cx="597309" cy="386410"/>
-          </a:xfrm>
-          <a:prstGeom prst="rightArrow">
-            <a:avLst/>
-          </a:prstGeom>
-        </p:spPr>
-        <p:style>
-          <a:lnRef idx="2">
-            <a:schemeClr val="accent1">
-              <a:shade val="50000"/>
-            </a:schemeClr>
-          </a:lnRef>
-          <a:fillRef idx="1">
-            <a:schemeClr val="accent1"/>
-          </a:fillRef>
-          <a:effectRef idx="0">
-            <a:schemeClr val="accent1"/>
-          </a:effectRef>
-          <a:fontRef idx="minor">
-            <a:schemeClr val="lt1"/>
-          </a:fontRef>
-        </p:style>
-        <p:txBody>
-          <a:bodyPr rtlCol="0" anchor="ctr"/>
-          <a:lstStyle/>
-          <a:p>
-            <a:pPr marL="0" marR="0" lvl="0" indent="0" algn="ctr" defTabSz="914400" eaLnBrk="1" fontAlgn="auto" latinLnBrk="0" hangingPunct="1">
-              <a:lnSpc>
-                <a:spcPct val="100000"/>
-              </a:lnSpc>
-              <a:spcBef>
-                <a:spcPts val="0"/>
-              </a:spcBef>
-              <a:spcAft>
-                <a:spcPts val="0"/>
-              </a:spcAft>
-              <a:buClrTx/>
-              <a:buSzTx/>
-              <a:buFontTx/>
-              <a:buNone/>
-              <a:tabLst/>
-              <a:defRPr/>
-            </a:pPr>
-            <a:endParaRPr kumimoji="0" lang="en-US" sz="1800" b="0" i="0" u="none" strike="noStrike" kern="0" cap="none" spc="0" normalizeH="0" baseline="0" noProof="0">
-              <a:ln>
-                <a:noFill/>
-              </a:ln>
-              <a:solidFill>
-                <a:sysClr val="windowText" lastClr="000000"/>
-              </a:solidFill>
-              <a:effectLst/>
-              <a:uLnTx/>
-              <a:uFillTx/>
-            </a:endParaRPr>
-          </a:p>
-        </p:txBody>
-      </p:sp>
-      <p:sp>
-        <p:nvSpPr>
           <p:cNvPr id="18" name="TextBox 17"/>
           <p:cNvSpPr txBox="1"/>
           <p:nvPr/>
         </p:nvSpPr>
         <p:spPr>
           <a:xfrm>
-            <a:off x="9604395" y="3210586"/>
-            <a:ext cx="1921470" cy="923330"/>
+            <a:off x="9605593" y="3102674"/>
+            <a:ext cx="2314689" cy="646331"/>
           </a:xfrm>
           <a:prstGeom prst="rect">
             <a:avLst/>
@@ -37081,7 +37032,7 @@
               <a:defRPr/>
             </a:pPr>
             <a:r>
-              <a:rPr kumimoji="0" lang="en-US" sz="1800" b="1" i="0" u="none" strike="noStrike" kern="0" cap="none" spc="0" normalizeH="0" baseline="0" noProof="0">
+              <a:rPr kumimoji="0" lang="en-US" sz="1800" b="1" i="0" u="none" strike="noStrike" kern="0" cap="none" spc="0" normalizeH="0" baseline="0" noProof="0" dirty="0">
                 <a:ln>
                   <a:noFill/>
                 </a:ln>
@@ -37095,7 +37046,7 @@
               <a:t>Churn </a:t>
             </a:r>
             <a:r>
-              <a:rPr kumimoji="0" lang="en-US" sz="1800" b="0" i="0" u="none" strike="noStrike" kern="0" cap="none" spc="0" normalizeH="0" baseline="0" noProof="0">
+              <a:rPr kumimoji="0" lang="en-US" sz="1800" b="0" i="0" u="none" strike="noStrike" kern="0" cap="none" spc="0" normalizeH="0" baseline="0" noProof="0" dirty="0">
                 <a:ln>
                   <a:noFill/>
                 </a:ln>
@@ -37106,7 +37057,7 @@
                 <a:uLnTx/>
                 <a:uFillTx/>
               </a:rPr>
-              <a:t>(no transaction in Pre-churn period)</a:t>
+              <a:t>(no transaction in the last 21 days)</a:t>
             </a:r>
           </a:p>
         </p:txBody>
@@ -37119,8 +37070,8 @@
         </p:nvSpPr>
         <p:spPr>
           <a:xfrm>
-            <a:off x="9602184" y="2182719"/>
-            <a:ext cx="1685170" cy="369332"/>
+            <a:off x="9605593" y="1913225"/>
+            <a:ext cx="2315889" cy="923330"/>
           </a:xfrm>
           <a:prstGeom prst="rect">
             <a:avLst/>
@@ -37151,7 +37102,7 @@
               <a:defRPr/>
             </a:pPr>
             <a:r>
-              <a:rPr kumimoji="0" lang="en-US" sz="1800" b="1" i="0" u="none" strike="noStrike" kern="0" cap="none" spc="0" normalizeH="0" baseline="0" noProof="0">
+              <a:rPr kumimoji="0" lang="en-US" sz="1800" b="1" i="0" u="none" strike="noStrike" kern="0" cap="none" spc="0" normalizeH="0" baseline="0" noProof="0" dirty="0">
                 <a:ln>
                   <a:noFill/>
                 </a:ln>
@@ -37162,19 +37113,19 @@
                 <a:uLnTx/>
                 <a:uFillTx/>
               </a:rPr>
-              <a:t>Non-Churn</a:t>
+              <a:t>Non-Churn </a:t>
             </a:r>
-            <a:endParaRPr kumimoji="0" lang="en-US" sz="1800" b="0" i="0" u="none" strike="noStrike" kern="0" cap="none" spc="0" normalizeH="0" baseline="0" noProof="0">
-              <a:ln>
-                <a:noFill/>
-              </a:ln>
-              <a:solidFill>
-                <a:sysClr val="windowText" lastClr="000000"/>
-              </a:solidFill>
-              <a:effectLst/>
-              <a:uLnTx/>
-              <a:uFillTx/>
-            </a:endParaRPr>
+            <a:r>
+              <a:rPr kumimoji="0" lang="en-US" sz="1800" i="0" u="none" strike="noStrike" kern="0" cap="none" spc="0" normalizeH="0" baseline="0" noProof="0" dirty="0">
+                <a:ln>
+                  <a:noFill/>
+                </a:ln>
+                <a:effectLst/>
+                <a:uLnTx/>
+                <a:uFillTx/>
+              </a:rPr>
+              <a:t>(having at least 1 transaction in the last 21 days)</a:t>
+            </a:r>
           </a:p>
         </p:txBody>
       </p:sp>
@@ -37212,7 +37163,7 @@
         </p:nvSpPr>
         <p:spPr>
           <a:xfrm>
-            <a:off x="6519840" y="4200494"/>
+            <a:off x="6519840" y="4391319"/>
             <a:ext cx="4174022" cy="1973527"/>
           </a:xfrm>
           <a:prstGeom prst="rect">
@@ -37635,7 +37586,7 @@
         </p:nvSpPr>
         <p:spPr>
           <a:xfrm>
-            <a:off x="3432174" y="4115072"/>
+            <a:off x="3432174" y="4305897"/>
             <a:ext cx="3179300" cy="1973527"/>
           </a:xfrm>
           <a:prstGeom prst="rect">
@@ -38005,6 +37956,97 @@
           </a:p>
         </p:txBody>
       </p:sp>
+      <p:cxnSp>
+        <p:nvCxnSpPr>
+          <p:cNvPr id="14" name="Straight Arrow Connector 13"/>
+          <p:cNvCxnSpPr>
+            <a:cxnSpLocks/>
+            <a:endCxn id="11" idx="0"/>
+          </p:cNvCxnSpPr>
+          <p:nvPr/>
+        </p:nvCxnSpPr>
+        <p:spPr>
+          <a:xfrm flipH="1">
+            <a:off x="7039508" y="3232467"/>
+            <a:ext cx="1749056" cy="474502"/>
+          </a:xfrm>
+          <a:prstGeom prst="straightConnector1">
+            <a:avLst/>
+          </a:prstGeom>
+          <a:ln>
+            <a:solidFill>
+              <a:srgbClr val="FF0000"/>
+            </a:solidFill>
+            <a:tailEnd type="triangle"/>
+          </a:ln>
+        </p:spPr>
+        <p:style>
+          <a:lnRef idx="1">
+            <a:schemeClr val="accent1"/>
+          </a:lnRef>
+          <a:fillRef idx="0">
+            <a:schemeClr val="accent1"/>
+          </a:fillRef>
+          <a:effectRef idx="0">
+            <a:schemeClr val="accent1"/>
+          </a:effectRef>
+          <a:fontRef idx="minor">
+            <a:schemeClr val="tx1"/>
+          </a:fontRef>
+        </p:style>
+      </p:cxnSp>
+      <p:sp>
+        <p:nvSpPr>
+          <p:cNvPr id="23" name="Oval 22"/>
+          <p:cNvSpPr/>
+          <p:nvPr/>
+        </p:nvSpPr>
+        <p:spPr>
+          <a:xfrm>
+            <a:off x="8717002" y="3185171"/>
+            <a:ext cx="111318" cy="112346"/>
+          </a:xfrm>
+          <a:prstGeom prst="ellipse">
+            <a:avLst/>
+          </a:prstGeom>
+          <a:solidFill>
+            <a:srgbClr val="FF0000"/>
+          </a:solidFill>
+          <a:ln>
+            <a:solidFill>
+              <a:srgbClr val="FF0000"/>
+            </a:solidFill>
+          </a:ln>
+        </p:spPr>
+        <p:style>
+          <a:lnRef idx="2">
+            <a:schemeClr val="accent1">
+              <a:shade val="50000"/>
+            </a:schemeClr>
+          </a:lnRef>
+          <a:fillRef idx="1">
+            <a:schemeClr val="accent1"/>
+          </a:fillRef>
+          <a:effectRef idx="0">
+            <a:schemeClr val="accent1"/>
+          </a:effectRef>
+          <a:fontRef idx="minor">
+            <a:schemeClr val="lt1"/>
+          </a:fontRef>
+        </p:style>
+        <p:txBody>
+          <a:bodyPr rtlCol="0" anchor="ctr"/>
+          <a:lstStyle/>
+          <a:p>
+            <a:pPr algn="ctr"/>
+            <a:endParaRPr lang="en-US" dirty="0">
+              <a:highlight>
+                <a:srgbClr val="FFFF00"/>
+              </a:highlight>
+            </a:endParaRPr>
+          </a:p>
+        </p:txBody>
+      </p:sp>
     </p:spTree>
     <p:extLst>
       <p:ext uri="{BB962C8B-B14F-4D97-AF65-F5344CB8AC3E}">
@@ -38070,14 +38112,14 @@
           </a:ln>
           <a:extLst>
             <a:ext uri="{909E8E84-426E-40dd-AFC4-6F175D3DCCD1}">
-              <a14:hiddenFill xmlns:a14="http://schemas.microsoft.com/office/drawing/2010/main" xmlns="">
+              <a14:hiddenFill xmlns="" xmlns:a14="http://schemas.microsoft.com/office/drawing/2010/main">
                 <a:solidFill>
                   <a:srgbClr val="FFFFFF"/>
                 </a:solidFill>
               </a14:hiddenFill>
             </a:ext>
             <a:ext uri="{91240B29-F687-4f45-9708-019B960494DF}">
-              <a14:hiddenLine xmlns:a14="http://schemas.microsoft.com/office/drawing/2010/main" xmlns="" w="9525">
+              <a14:hiddenLine xmlns="" xmlns:a14="http://schemas.microsoft.com/office/drawing/2010/main" w="9525">
                 <a:solidFill>
                   <a:srgbClr val="000000"/>
                 </a:solidFill>
@@ -38108,14 +38150,14 @@
           <a:noFill/>
           <a:extLst>
             <a:ext uri="{909E8E84-426E-40dd-AFC4-6F175D3DCCD1}">
-              <a14:hiddenFill xmlns:a14="http://schemas.microsoft.com/office/drawing/2010/main" xmlns="">
+              <a14:hiddenFill xmlns="" xmlns:a14="http://schemas.microsoft.com/office/drawing/2010/main">
                 <a:solidFill>
                   <a:srgbClr val="FFFFFF"/>
                 </a:solidFill>
               </a14:hiddenFill>
             </a:ext>
             <a:ext uri="{91240B29-F687-4f45-9708-019B960494DF}">
-              <a14:hiddenLine xmlns:a14="http://schemas.microsoft.com/office/drawing/2010/main" xmlns="" w="9525">
+              <a14:hiddenLine xmlns="" xmlns:a14="http://schemas.microsoft.com/office/drawing/2010/main" w="9525">
                 <a:solidFill>
                   <a:srgbClr val="000000"/>
                 </a:solidFill>
@@ -38615,14 +38657,14 @@
           <a:noFill/>
           <a:extLst>
             <a:ext uri="{909E8E84-426E-40dd-AFC4-6F175D3DCCD1}">
-              <a14:hiddenFill xmlns:a14="http://schemas.microsoft.com/office/drawing/2010/main" xmlns="">
+              <a14:hiddenFill xmlns="" xmlns:a14="http://schemas.microsoft.com/office/drawing/2010/main">
                 <a:solidFill>
                   <a:srgbClr val="FFFFFF"/>
                 </a:solidFill>
               </a14:hiddenFill>
             </a:ext>
             <a:ext uri="{91240B29-F687-4f45-9708-019B960494DF}">
-              <a14:hiddenLine xmlns:a14="http://schemas.microsoft.com/office/drawing/2010/main" xmlns="" w="9525">
+              <a14:hiddenLine xmlns="" xmlns:a14="http://schemas.microsoft.com/office/drawing/2010/main" w="9525">
                 <a:solidFill>
                   <a:srgbClr val="000000"/>
                 </a:solidFill>
@@ -40776,14 +40818,14 @@
           </a:ln>
           <a:extLst>
             <a:ext uri="{909E8E84-426E-40dd-AFC4-6F175D3DCCD1}">
-              <a14:hiddenFill xmlns:a14="http://schemas.microsoft.com/office/drawing/2010/main" xmlns="">
+              <a14:hiddenFill xmlns="" xmlns:a14="http://schemas.microsoft.com/office/drawing/2010/main">
                 <a:solidFill>
                   <a:srgbClr val="FFFFFF"/>
                 </a:solidFill>
               </a14:hiddenFill>
             </a:ext>
             <a:ext uri="{91240B29-F687-4f45-9708-019B960494DF}">
-              <a14:hiddenLine xmlns:a14="http://schemas.microsoft.com/office/drawing/2010/main" xmlns="" w="9525">
+              <a14:hiddenLine xmlns="" xmlns:a14="http://schemas.microsoft.com/office/drawing/2010/main" w="9525">
                 <a:solidFill>
                   <a:srgbClr val="000000"/>
                 </a:solidFill>
@@ -40814,14 +40856,14 @@
           <a:noFill/>
           <a:extLst>
             <a:ext uri="{909E8E84-426E-40dd-AFC4-6F175D3DCCD1}">
-              <a14:hiddenFill xmlns:a14="http://schemas.microsoft.com/office/drawing/2010/main" xmlns="">
+              <a14:hiddenFill xmlns="" xmlns:a14="http://schemas.microsoft.com/office/drawing/2010/main">
                 <a:solidFill>
                   <a:srgbClr val="FFFFFF"/>
                 </a:solidFill>
               </a14:hiddenFill>
             </a:ext>
             <a:ext uri="{91240B29-F687-4f45-9708-019B960494DF}">
-              <a14:hiddenLine xmlns:a14="http://schemas.microsoft.com/office/drawing/2010/main" xmlns="" w="9525">
+              <a14:hiddenLine xmlns="" xmlns:a14="http://schemas.microsoft.com/office/drawing/2010/main" w="9525">
                 <a:solidFill>
                   <a:srgbClr val="000000"/>
                 </a:solidFill>
@@ -41321,14 +41363,14 @@
           <a:noFill/>
           <a:extLst>
             <a:ext uri="{909E8E84-426E-40dd-AFC4-6F175D3DCCD1}">
-              <a14:hiddenFill xmlns:a14="http://schemas.microsoft.com/office/drawing/2010/main" xmlns="">
+              <a14:hiddenFill xmlns="" xmlns:a14="http://schemas.microsoft.com/office/drawing/2010/main">
                 <a:solidFill>
                   <a:srgbClr val="FFFFFF"/>
                 </a:solidFill>
               </a14:hiddenFill>
             </a:ext>
             <a:ext uri="{91240B29-F687-4f45-9708-019B960494DF}">
-              <a14:hiddenLine xmlns:a14="http://schemas.microsoft.com/office/drawing/2010/main" xmlns="" w="9525">
+              <a14:hiddenLine xmlns="" xmlns:a14="http://schemas.microsoft.com/office/drawing/2010/main" w="9525">
                 <a:solidFill>
                   <a:srgbClr val="000000"/>
                 </a:solidFill>
@@ -44568,207 +44610,6 @@
 </file>
 
 <file path=customXml/item1.xml><?xml version="1.0" encoding="utf-8"?>
-<athena xmlns="http://schemas.microsoft.com/edu/athena" version="0.1.4983.0">
-  <timings duration="28260"/>
-</athena>
-</file>
-
-<file path=customXml/item2.xml><?xml version="1.0" encoding="utf-8"?>
-<p:properties xmlns:p="http://schemas.microsoft.com/office/2006/metadata/properties" xmlns:xsi="http://www.w3.org/2001/XMLSchema-instance" xmlns:pc="http://schemas.microsoft.com/office/infopath/2007/PartnerControls">
-  <documentManagement>
-    <_ip_UnifiedCompliancePolicyUIAction xmlns="http://schemas.microsoft.com/sharepoint/v3" xsi:nil="true"/>
-    <_ip_UnifiedCompliancePolicyProperties xmlns="http://schemas.microsoft.com/sharepoint/v3" xsi:nil="true"/>
-  </documentManagement>
-</p:properties>
-</file>
-
-<file path=customXml/item3.xml><?xml version="1.0" encoding="utf-8"?>
-<athena xmlns="http://schemas.microsoft.com/edu/athena" version="0.1.4983.0">
-  <timings duration="28260"/>
-</athena>
-</file>
-
-<file path=customXml/item4.xml><?xml version="1.0" encoding="utf-8"?>
-<?mso-contentType ?>
-<FormTemplates xmlns="http://schemas.microsoft.com/sharepoint/v3/contenttype/forms">
-  <Display>DocumentLibraryForm</Display>
-  <Edit>DocumentLibraryForm</Edit>
-  <New>DocumentLibraryForm</New>
-</FormTemplates>
-</file>
-
-<file path=customXml/item5.xml><?xml version="1.0" encoding="utf-8"?>
-<athena xmlns="http://schemas.microsoft.com/edu/athena" version="0.1.4983.0">
-  <timings duration="28260"/>
-</athena>
-</file>
-
-<file path=customXml/item6.xml><?xml version="1.0" encoding="utf-8"?>
-<ct:contentTypeSchema xmlns:ct="http://schemas.microsoft.com/office/2006/metadata/contentType" xmlns:ma="http://schemas.microsoft.com/office/2006/metadata/properties/metaAttributes" ct:_="" ma:_="" ma:contentTypeName="Document" ma:contentTypeID="0x01010087F04871385379499F2DE2943CF3F531" ma:contentTypeVersion="4" ma:contentTypeDescription="Create a new document." ma:contentTypeScope="" ma:versionID="e9dd28ebf362d4e80b8c970ebeefe3a0">
-  <xsd:schema xmlns:xsd="http://www.w3.org/2001/XMLSchema" xmlns:xs="http://www.w3.org/2001/XMLSchema" xmlns:p="http://schemas.microsoft.com/office/2006/metadata/properties" xmlns:ns1="http://schemas.microsoft.com/sharepoint/v3" xmlns:ns2="b1dcf5e4-b140-464e-ad28-2eb3e755d828" targetNamespace="http://schemas.microsoft.com/office/2006/metadata/properties" ma:root="true" ma:fieldsID="03b8be3648692d7b724f1e1961529e5c" ns1:_="" ns2:_="">
-    <xsd:import namespace="http://schemas.microsoft.com/sharepoint/v3"/>
-    <xsd:import namespace="b1dcf5e4-b140-464e-ad28-2eb3e755d828"/>
-    <xsd:element name="properties">
-      <xsd:complexType>
-        <xsd:sequence>
-          <xsd:element name="documentManagement">
-            <xsd:complexType>
-              <xsd:all>
-                <xsd:element ref="ns2:SharedWithUsers" minOccurs="0"/>
-                <xsd:element ref="ns2:SharedWithDetails" minOccurs="0"/>
-                <xsd:element ref="ns1:_ip_UnifiedCompliancePolicyProperties" minOccurs="0"/>
-                <xsd:element ref="ns1:_ip_UnifiedCompliancePolicyUIAction" minOccurs="0"/>
-              </xsd:all>
-            </xsd:complexType>
-          </xsd:element>
-        </xsd:sequence>
-      </xsd:complexType>
-    </xsd:element>
-  </xsd:schema>
-  <xsd:schema xmlns:xsd="http://www.w3.org/2001/XMLSchema" xmlns:xs="http://www.w3.org/2001/XMLSchema" xmlns:dms="http://schemas.microsoft.com/office/2006/documentManagement/types" xmlns:pc="http://schemas.microsoft.com/office/infopath/2007/PartnerControls" targetNamespace="http://schemas.microsoft.com/sharepoint/v3" elementFormDefault="qualified">
-    <xsd:import namespace="http://schemas.microsoft.com/office/2006/documentManagement/types"/>
-    <xsd:import namespace="http://schemas.microsoft.com/office/infopath/2007/PartnerControls"/>
-    <xsd:element name="_ip_UnifiedCompliancePolicyProperties" ma:index="10" nillable="true" ma:displayName="Unified Compliance Policy Properties" ma:hidden="true" ma:internalName="_ip_UnifiedCompliancePolicyProperties">
-      <xsd:simpleType>
-        <xsd:restriction base="dms:Note"/>
-      </xsd:simpleType>
-    </xsd:element>
-    <xsd:element name="_ip_UnifiedCompliancePolicyUIAction" ma:index="11" nillable="true" ma:displayName="Unified Compliance Policy UI Action" ma:hidden="true" ma:internalName="_ip_UnifiedCompliancePolicyUIAction">
-      <xsd:simpleType>
-        <xsd:restriction base="dms:Text"/>
-      </xsd:simpleType>
-    </xsd:element>
-  </xsd:schema>
-  <xsd:schema xmlns:xsd="http://www.w3.org/2001/XMLSchema" xmlns:xs="http://www.w3.org/2001/XMLSchema" xmlns:dms="http://schemas.microsoft.com/office/2006/documentManagement/types" xmlns:pc="http://schemas.microsoft.com/office/infopath/2007/PartnerControls" targetNamespace="b1dcf5e4-b140-464e-ad28-2eb3e755d828" elementFormDefault="qualified">
-    <xsd:import namespace="http://schemas.microsoft.com/office/2006/documentManagement/types"/>
-    <xsd:import namespace="http://schemas.microsoft.com/office/infopath/2007/PartnerControls"/>
-    <xsd:element name="SharedWithUsers" ma:index="8" nillable="true" ma:displayName="Shared With" ma:description="" ma:internalName="SharedWithUsers" ma:readOnly="true">
-      <xsd:complexType>
-        <xsd:complexContent>
-          <xsd:extension base="dms:UserMulti">
-            <xsd:sequence>
-              <xsd:element name="UserInfo" minOccurs="0" maxOccurs="unbounded">
-                <xsd:complexType>
-                  <xsd:sequence>
-                    <xsd:element name="DisplayName" type="xsd:string" minOccurs="0"/>
-                    <xsd:element name="AccountId" type="dms:UserId" minOccurs="0" nillable="true"/>
-                    <xsd:element name="AccountType" type="xsd:string" minOccurs="0"/>
-                  </xsd:sequence>
-                </xsd:complexType>
-              </xsd:element>
-            </xsd:sequence>
-          </xsd:extension>
-        </xsd:complexContent>
-      </xsd:complexType>
-    </xsd:element>
-    <xsd:element name="SharedWithDetails" ma:index="9" nillable="true" ma:displayName="Shared With Details" ma:description="" ma:internalName="SharedWithDetails" ma:readOnly="true">
-      <xsd:simpleType>
-        <xsd:restriction base="dms:Note">
-          <xsd:maxLength value="255"/>
-        </xsd:restriction>
-      </xsd:simpleType>
-    </xsd:element>
-  </xsd:schema>
-  <xsd:schema xmlns="http://schemas.openxmlformats.org/package/2006/metadata/core-properties" xmlns:xsd="http://www.w3.org/2001/XMLSchema" xmlns:xsi="http://www.w3.org/2001/XMLSchema-instance" xmlns:dc="http://purl.org/dc/elements/1.1/" xmlns:dcterms="http://purl.org/dc/terms/" xmlns:odoc="http://schemas.microsoft.com/internal/obd" targetNamespace="http://schemas.openxmlformats.org/package/2006/metadata/core-properties" elementFormDefault="qualified" attributeFormDefault="unqualified" blockDefault="#all">
-    <xsd:import namespace="http://purl.org/dc/elements/1.1/" schemaLocation="http://dublincore.org/schemas/xmls/qdc/2003/04/02/dc.xsd"/>
-    <xsd:import namespace="http://purl.org/dc/terms/" schemaLocation="http://dublincore.org/schemas/xmls/qdc/2003/04/02/dcterms.xsd"/>
-    <xsd:element name="coreProperties" type="CT_coreProperties"/>
-    <xsd:complexType name="CT_coreProperties">
-      <xsd:all>
-        <xsd:element ref="dc:creator" minOccurs="0" maxOccurs="1"/>
-        <xsd:element ref="dcterms:created" minOccurs="0" maxOccurs="1"/>
-        <xsd:element ref="dc:identifier" minOccurs="0" maxOccurs="1"/>
-        <xsd:element name="contentType" minOccurs="0" maxOccurs="1" type="xsd:string" ma:index="0" ma:displayName="Content Type"/>
-        <xsd:element ref="dc:title" minOccurs="0" maxOccurs="1" ma:index="4" ma:displayName="Title"/>
-        <xsd:element ref="dc:subject" minOccurs="0" maxOccurs="1"/>
-        <xsd:element ref="dc:description" minOccurs="0" maxOccurs="1"/>
-        <xsd:element name="keywords" minOccurs="0" maxOccurs="1" type="xsd:string"/>
-        <xsd:element ref="dc:language" minOccurs="0" maxOccurs="1"/>
-        <xsd:element name="category" minOccurs="0" maxOccurs="1" type="xsd:string"/>
-        <xsd:element name="version" minOccurs="0" maxOccurs="1" type="xsd:string"/>
-        <xsd:element name="revision" minOccurs="0" maxOccurs="1" type="xsd:string">
-          <xsd:annotation>
-            <xsd:documentation>
-                        This value indicates the number of saves or revisions. The application is responsible for updating this value after each revision.
-                    </xsd:documentation>
-          </xsd:annotation>
-        </xsd:element>
-        <xsd:element name="lastModifiedBy" minOccurs="0" maxOccurs="1" type="xsd:string"/>
-        <xsd:element ref="dcterms:modified" minOccurs="0" maxOccurs="1"/>
-        <xsd:element name="contentStatus" minOccurs="0" maxOccurs="1" type="xsd:string"/>
-      </xsd:all>
-    </xsd:complexType>
-  </xsd:schema>
-  <xs:schema xmlns:pc="http://schemas.microsoft.com/office/infopath/2007/PartnerControls" xmlns:xs="http://www.w3.org/2001/XMLSchema" targetNamespace="http://schemas.microsoft.com/office/infopath/2007/PartnerControls" elementFormDefault="qualified" attributeFormDefault="unqualified">
-    <xs:element name="Person">
-      <xs:complexType>
-        <xs:sequence>
-          <xs:element ref="pc:DisplayName" minOccurs="0"/>
-          <xs:element ref="pc:AccountId" minOccurs="0"/>
-          <xs:element ref="pc:AccountType" minOccurs="0"/>
-        </xs:sequence>
-      </xs:complexType>
-    </xs:element>
-    <xs:element name="DisplayName" type="xs:string"/>
-    <xs:element name="AccountId" type="xs:string"/>
-    <xs:element name="AccountType" type="xs:string"/>
-    <xs:element name="BDCAssociatedEntity">
-      <xs:complexType>
-        <xs:sequence>
-          <xs:element ref="pc:BDCEntity" minOccurs="0" maxOccurs="unbounded"/>
-        </xs:sequence>
-        <xs:attribute ref="pc:EntityNamespace"/>
-        <xs:attribute ref="pc:EntityName"/>
-        <xs:attribute ref="pc:SystemInstanceName"/>
-        <xs:attribute ref="pc:AssociationName"/>
-      </xs:complexType>
-    </xs:element>
-    <xs:attribute name="EntityNamespace" type="xs:string"/>
-    <xs:attribute name="EntityName" type="xs:string"/>
-    <xs:attribute name="SystemInstanceName" type="xs:string"/>
-    <xs:attribute name="AssociationName" type="xs:string"/>
-    <xs:element name="BDCEntity">
-      <xs:complexType>
-        <xs:sequence>
-          <xs:element ref="pc:EntityDisplayName" minOccurs="0"/>
-          <xs:element ref="pc:EntityInstanceReference" minOccurs="0"/>
-          <xs:element ref="pc:EntityId1" minOccurs="0"/>
-          <xs:element ref="pc:EntityId2" minOccurs="0"/>
-          <xs:element ref="pc:EntityId3" minOccurs="0"/>
-          <xs:element ref="pc:EntityId4" minOccurs="0"/>
-          <xs:element ref="pc:EntityId5" minOccurs="0"/>
-        </xs:sequence>
-      </xs:complexType>
-    </xs:element>
-    <xs:element name="EntityDisplayName" type="xs:string"/>
-    <xs:element name="EntityInstanceReference" type="xs:string"/>
-    <xs:element name="EntityId1" type="xs:string"/>
-    <xs:element name="EntityId2" type="xs:string"/>
-    <xs:element name="EntityId3" type="xs:string"/>
-    <xs:element name="EntityId4" type="xs:string"/>
-    <xs:element name="EntityId5" type="xs:string"/>
-    <xs:element name="Terms">
-      <xs:complexType>
-        <xs:sequence>
-          <xs:element ref="pc:TermInfo" minOccurs="0" maxOccurs="unbounded"/>
-        </xs:sequence>
-      </xs:complexType>
-    </xs:element>
-    <xs:element name="TermInfo">
-      <xs:complexType>
-        <xs:sequence>
-          <xs:element ref="pc:TermName" minOccurs="0"/>
-          <xs:element ref="pc:TermId" minOccurs="0"/>
-        </xs:sequence>
-      </xs:complexType>
-    </xs:element>
-    <xs:element name="TermName" type="xs:string"/>
-    <xs:element name="TermId" type="xs:string"/>
-  </xs:schema>
-</ct:contentTypeSchema>
-</file>
-
-<file path=customXml/item7.xml><?xml version="1.0" encoding="utf-8"?>
 <p:properties xmlns:p="http://schemas.microsoft.com/office/2006/metadata/properties" xmlns:xsi="http://www.w3.org/2001/XMLSchema-instance" xmlns:pc="http://schemas.microsoft.com/office/infopath/2007/PartnerControls">
   <documentManagement>
     <SharedWithUsers xmlns="b1dcf5e4-b140-464e-ad28-2eb3e755d828">
@@ -45074,7 +44915,13 @@
 </p:properties>
 </file>
 
-<file path=customXml/item8.xml><?xml version="1.0" encoding="utf-8"?>
+<file path=customXml/item2.xml><?xml version="1.0" encoding="utf-8"?>
+<athena xmlns="http://schemas.microsoft.com/edu/athena" version="0.1.4983.0">
+  <timings duration="28260"/>
+</athena>
+</file>
+
+<file path=customXml/item3.xml><?xml version="1.0" encoding="utf-8"?>
 <p:properties xmlns:p="http://schemas.microsoft.com/office/2006/metadata/properties" xmlns:xsi="http://www.w3.org/2001/XMLSchema-instance" xmlns:pc="http://schemas.microsoft.com/office/infopath/2007/PartnerControls">
   <documentManagement>
     <SharedWithUsers xmlns="b1dcf5e4-b140-464e-ad28-2eb3e755d828">
@@ -45380,15 +45227,238 @@
 </p:properties>
 </file>
 
+<file path=customXml/item4.xml><?xml version="1.0" encoding="utf-8"?>
+<p:properties xmlns:p="http://schemas.microsoft.com/office/2006/metadata/properties" xmlns:xsi="http://www.w3.org/2001/XMLSchema-instance" xmlns:pc="http://schemas.microsoft.com/office/infopath/2007/PartnerControls">
+  <documentManagement>
+    <_ip_UnifiedCompliancePolicyUIAction xmlns="http://schemas.microsoft.com/sharepoint/v3" xsi:nil="true"/>
+    <_ip_UnifiedCompliancePolicyProperties xmlns="http://schemas.microsoft.com/sharepoint/v3" xsi:nil="true"/>
+  </documentManagement>
+</p:properties>
+</file>
+
+<file path=customXml/item5.xml><?xml version="1.0" encoding="utf-8"?>
+<athena xmlns="http://schemas.microsoft.com/edu/athena" version="0.1.4983.0">
+  <timings duration="28260"/>
+</athena>
+</file>
+
+<file path=customXml/item6.xml><?xml version="1.0" encoding="utf-8"?>
+<ct:contentTypeSchema xmlns:ct="http://schemas.microsoft.com/office/2006/metadata/contentType" xmlns:ma="http://schemas.microsoft.com/office/2006/metadata/properties/metaAttributes" ct:_="" ma:_="" ma:contentTypeName="Document" ma:contentTypeID="0x01010087F04871385379499F2DE2943CF3F531" ma:contentTypeVersion="4" ma:contentTypeDescription="Create a new document." ma:contentTypeScope="" ma:versionID="e9dd28ebf362d4e80b8c970ebeefe3a0">
+  <xsd:schema xmlns:xsd="http://www.w3.org/2001/XMLSchema" xmlns:xs="http://www.w3.org/2001/XMLSchema" xmlns:p="http://schemas.microsoft.com/office/2006/metadata/properties" xmlns:ns1="http://schemas.microsoft.com/sharepoint/v3" xmlns:ns2="b1dcf5e4-b140-464e-ad28-2eb3e755d828" targetNamespace="http://schemas.microsoft.com/office/2006/metadata/properties" ma:root="true" ma:fieldsID="03b8be3648692d7b724f1e1961529e5c" ns1:_="" ns2:_="">
+    <xsd:import namespace="http://schemas.microsoft.com/sharepoint/v3"/>
+    <xsd:import namespace="b1dcf5e4-b140-464e-ad28-2eb3e755d828"/>
+    <xsd:element name="properties">
+      <xsd:complexType>
+        <xsd:sequence>
+          <xsd:element name="documentManagement">
+            <xsd:complexType>
+              <xsd:all>
+                <xsd:element ref="ns2:SharedWithUsers" minOccurs="0"/>
+                <xsd:element ref="ns2:SharedWithDetails" minOccurs="0"/>
+                <xsd:element ref="ns1:_ip_UnifiedCompliancePolicyProperties" minOccurs="0"/>
+                <xsd:element ref="ns1:_ip_UnifiedCompliancePolicyUIAction" minOccurs="0"/>
+              </xsd:all>
+            </xsd:complexType>
+          </xsd:element>
+        </xsd:sequence>
+      </xsd:complexType>
+    </xsd:element>
+  </xsd:schema>
+  <xsd:schema xmlns:xsd="http://www.w3.org/2001/XMLSchema" xmlns:xs="http://www.w3.org/2001/XMLSchema" xmlns:dms="http://schemas.microsoft.com/office/2006/documentManagement/types" xmlns:pc="http://schemas.microsoft.com/office/infopath/2007/PartnerControls" targetNamespace="http://schemas.microsoft.com/sharepoint/v3" elementFormDefault="qualified">
+    <xsd:import namespace="http://schemas.microsoft.com/office/2006/documentManagement/types"/>
+    <xsd:import namespace="http://schemas.microsoft.com/office/infopath/2007/PartnerControls"/>
+    <xsd:element name="_ip_UnifiedCompliancePolicyProperties" ma:index="10" nillable="true" ma:displayName="Unified Compliance Policy Properties" ma:hidden="true" ma:internalName="_ip_UnifiedCompliancePolicyProperties">
+      <xsd:simpleType>
+        <xsd:restriction base="dms:Note"/>
+      </xsd:simpleType>
+    </xsd:element>
+    <xsd:element name="_ip_UnifiedCompliancePolicyUIAction" ma:index="11" nillable="true" ma:displayName="Unified Compliance Policy UI Action" ma:hidden="true" ma:internalName="_ip_UnifiedCompliancePolicyUIAction">
+      <xsd:simpleType>
+        <xsd:restriction base="dms:Text"/>
+      </xsd:simpleType>
+    </xsd:element>
+  </xsd:schema>
+  <xsd:schema xmlns:xsd="http://www.w3.org/2001/XMLSchema" xmlns:xs="http://www.w3.org/2001/XMLSchema" xmlns:dms="http://schemas.microsoft.com/office/2006/documentManagement/types" xmlns:pc="http://schemas.microsoft.com/office/infopath/2007/PartnerControls" targetNamespace="b1dcf5e4-b140-464e-ad28-2eb3e755d828" elementFormDefault="qualified">
+    <xsd:import namespace="http://schemas.microsoft.com/office/2006/documentManagement/types"/>
+    <xsd:import namespace="http://schemas.microsoft.com/office/infopath/2007/PartnerControls"/>
+    <xsd:element name="SharedWithUsers" ma:index="8" nillable="true" ma:displayName="Shared With" ma:description="" ma:internalName="SharedWithUsers" ma:readOnly="true">
+      <xsd:complexType>
+        <xsd:complexContent>
+          <xsd:extension base="dms:UserMulti">
+            <xsd:sequence>
+              <xsd:element name="UserInfo" minOccurs="0" maxOccurs="unbounded">
+                <xsd:complexType>
+                  <xsd:sequence>
+                    <xsd:element name="DisplayName" type="xsd:string" minOccurs="0"/>
+                    <xsd:element name="AccountId" type="dms:UserId" minOccurs="0" nillable="true"/>
+                    <xsd:element name="AccountType" type="xsd:string" minOccurs="0"/>
+                  </xsd:sequence>
+                </xsd:complexType>
+              </xsd:element>
+            </xsd:sequence>
+          </xsd:extension>
+        </xsd:complexContent>
+      </xsd:complexType>
+    </xsd:element>
+    <xsd:element name="SharedWithDetails" ma:index="9" nillable="true" ma:displayName="Shared With Details" ma:description="" ma:internalName="SharedWithDetails" ma:readOnly="true">
+      <xsd:simpleType>
+        <xsd:restriction base="dms:Note">
+          <xsd:maxLength value="255"/>
+        </xsd:restriction>
+      </xsd:simpleType>
+    </xsd:element>
+  </xsd:schema>
+  <xsd:schema xmlns="http://schemas.openxmlformats.org/package/2006/metadata/core-properties" xmlns:xsd="http://www.w3.org/2001/XMLSchema" xmlns:xsi="http://www.w3.org/2001/XMLSchema-instance" xmlns:dc="http://purl.org/dc/elements/1.1/" xmlns:dcterms="http://purl.org/dc/terms/" xmlns:odoc="http://schemas.microsoft.com/internal/obd" targetNamespace="http://schemas.openxmlformats.org/package/2006/metadata/core-properties" elementFormDefault="qualified" attributeFormDefault="unqualified" blockDefault="#all">
+    <xsd:import namespace="http://purl.org/dc/elements/1.1/" schemaLocation="http://dublincore.org/schemas/xmls/qdc/2003/04/02/dc.xsd"/>
+    <xsd:import namespace="http://purl.org/dc/terms/" schemaLocation="http://dublincore.org/schemas/xmls/qdc/2003/04/02/dcterms.xsd"/>
+    <xsd:element name="coreProperties" type="CT_coreProperties"/>
+    <xsd:complexType name="CT_coreProperties">
+      <xsd:all>
+        <xsd:element ref="dc:creator" minOccurs="0" maxOccurs="1"/>
+        <xsd:element ref="dcterms:created" minOccurs="0" maxOccurs="1"/>
+        <xsd:element ref="dc:identifier" minOccurs="0" maxOccurs="1"/>
+        <xsd:element name="contentType" minOccurs="0" maxOccurs="1" type="xsd:string" ma:index="0" ma:displayName="Content Type"/>
+        <xsd:element ref="dc:title" minOccurs="0" maxOccurs="1" ma:index="4" ma:displayName="Title"/>
+        <xsd:element ref="dc:subject" minOccurs="0" maxOccurs="1"/>
+        <xsd:element ref="dc:description" minOccurs="0" maxOccurs="1"/>
+        <xsd:element name="keywords" minOccurs="0" maxOccurs="1" type="xsd:string"/>
+        <xsd:element ref="dc:language" minOccurs="0" maxOccurs="1"/>
+        <xsd:element name="category" minOccurs="0" maxOccurs="1" type="xsd:string"/>
+        <xsd:element name="version" minOccurs="0" maxOccurs="1" type="xsd:string"/>
+        <xsd:element name="revision" minOccurs="0" maxOccurs="1" type="xsd:string">
+          <xsd:annotation>
+            <xsd:documentation>
+                        This value indicates the number of saves or revisions. The application is responsible for updating this value after each revision.
+                    </xsd:documentation>
+          </xsd:annotation>
+        </xsd:element>
+        <xsd:element name="lastModifiedBy" minOccurs="0" maxOccurs="1" type="xsd:string"/>
+        <xsd:element ref="dcterms:modified" minOccurs="0" maxOccurs="1"/>
+        <xsd:element name="contentStatus" minOccurs="0" maxOccurs="1" type="xsd:string"/>
+      </xsd:all>
+    </xsd:complexType>
+  </xsd:schema>
+  <xs:schema xmlns:pc="http://schemas.microsoft.com/office/infopath/2007/PartnerControls" xmlns:xs="http://www.w3.org/2001/XMLSchema" targetNamespace="http://schemas.microsoft.com/office/infopath/2007/PartnerControls" elementFormDefault="qualified" attributeFormDefault="unqualified">
+    <xs:element name="Person">
+      <xs:complexType>
+        <xs:sequence>
+          <xs:element ref="pc:DisplayName" minOccurs="0"/>
+          <xs:element ref="pc:AccountId" minOccurs="0"/>
+          <xs:element ref="pc:AccountType" minOccurs="0"/>
+        </xs:sequence>
+      </xs:complexType>
+    </xs:element>
+    <xs:element name="DisplayName" type="xs:string"/>
+    <xs:element name="AccountId" type="xs:string"/>
+    <xs:element name="AccountType" type="xs:string"/>
+    <xs:element name="BDCAssociatedEntity">
+      <xs:complexType>
+        <xs:sequence>
+          <xs:element ref="pc:BDCEntity" minOccurs="0" maxOccurs="unbounded"/>
+        </xs:sequence>
+        <xs:attribute ref="pc:EntityNamespace"/>
+        <xs:attribute ref="pc:EntityName"/>
+        <xs:attribute ref="pc:SystemInstanceName"/>
+        <xs:attribute ref="pc:AssociationName"/>
+      </xs:complexType>
+    </xs:element>
+    <xs:attribute name="EntityNamespace" type="xs:string"/>
+    <xs:attribute name="EntityName" type="xs:string"/>
+    <xs:attribute name="SystemInstanceName" type="xs:string"/>
+    <xs:attribute name="AssociationName" type="xs:string"/>
+    <xs:element name="BDCEntity">
+      <xs:complexType>
+        <xs:sequence>
+          <xs:element ref="pc:EntityDisplayName" minOccurs="0"/>
+          <xs:element ref="pc:EntityInstanceReference" minOccurs="0"/>
+          <xs:element ref="pc:EntityId1" minOccurs="0"/>
+          <xs:element ref="pc:EntityId2" minOccurs="0"/>
+          <xs:element ref="pc:EntityId3" minOccurs="0"/>
+          <xs:element ref="pc:EntityId4" minOccurs="0"/>
+          <xs:element ref="pc:EntityId5" minOccurs="0"/>
+        </xs:sequence>
+      </xs:complexType>
+    </xs:element>
+    <xs:element name="EntityDisplayName" type="xs:string"/>
+    <xs:element name="EntityInstanceReference" type="xs:string"/>
+    <xs:element name="EntityId1" type="xs:string"/>
+    <xs:element name="EntityId2" type="xs:string"/>
+    <xs:element name="EntityId3" type="xs:string"/>
+    <xs:element name="EntityId4" type="xs:string"/>
+    <xs:element name="EntityId5" type="xs:string"/>
+    <xs:element name="Terms">
+      <xs:complexType>
+        <xs:sequence>
+          <xs:element ref="pc:TermInfo" minOccurs="0" maxOccurs="unbounded"/>
+        </xs:sequence>
+      </xs:complexType>
+    </xs:element>
+    <xs:element name="TermInfo">
+      <xs:complexType>
+        <xs:sequence>
+          <xs:element ref="pc:TermName" minOccurs="0"/>
+          <xs:element ref="pc:TermId" minOccurs="0"/>
+        </xs:sequence>
+      </xs:complexType>
+    </xs:element>
+    <xs:element name="TermName" type="xs:string"/>
+    <xs:element name="TermId" type="xs:string"/>
+  </xs:schema>
+</ct:contentTypeSchema>
+</file>
+
+<file path=customXml/item7.xml><?xml version="1.0" encoding="utf-8"?>
+<athena xmlns="http://schemas.microsoft.com/edu/athena" version="0.1.4983.0">
+  <timings duration="28260"/>
+</athena>
+</file>
+
+<file path=customXml/item8.xml><?xml version="1.0" encoding="utf-8"?>
+<?mso-contentType ?>
+<FormTemplates xmlns="http://schemas.microsoft.com/sharepoint/v3/contenttype/forms">
+  <Display>DocumentLibraryForm</Display>
+  <Edit>DocumentLibraryForm</Edit>
+  <New>DocumentLibraryForm</New>
+</FormTemplates>
+</file>
+
 <file path=customXml/itemProps1.xml><?xml version="1.0" encoding="utf-8"?>
-<ds:datastoreItem xmlns:ds="http://schemas.openxmlformats.org/officeDocument/2006/customXml" ds:itemID="{70069BDD-983B-48E5-828A-F2EABCA58089}">
+<ds:datastoreItem xmlns:ds="http://schemas.openxmlformats.org/officeDocument/2006/customXml" ds:itemID="{0C66EC1C-3A5A-4373-B7C4-45F454930D87}">
+  <ds:schemaRefs>
+    <ds:schemaRef ds:uri="http://schemas.microsoft.com/office/2006/metadata/properties"/>
+    <ds:schemaRef ds:uri="http://schemas.microsoft.com/office/infopath/2007/PartnerControls"/>
+    <ds:schemaRef ds:uri="b1dcf5e4-b140-464e-ad28-2eb3e755d828"/>
+    <ds:schemaRef ds:uri="http://schemas.microsoft.com/sharepoint/v3"/>
+  </ds:schemaRefs>
+</ds:datastoreItem>
+</file>
+
+<file path=customXml/itemProps2.xml><?xml version="1.0" encoding="utf-8"?>
+<ds:datastoreItem xmlns:ds="http://schemas.openxmlformats.org/officeDocument/2006/customXml" ds:itemID="{08193F6F-6826-4A89-A1E0-62F63C4D8002}">
   <ds:schemaRefs>
     <ds:schemaRef ds:uri="http://schemas.microsoft.com/edu/athena"/>
   </ds:schemaRefs>
 </ds:datastoreItem>
 </file>
 
-<file path=customXml/itemProps2.xml><?xml version="1.0" encoding="utf-8"?>
+<file path=customXml/itemProps3.xml><?xml version="1.0" encoding="utf-8"?>
+<ds:datastoreItem xmlns:ds="http://schemas.openxmlformats.org/officeDocument/2006/customXml" ds:itemID="{D31CAE25-9302-48A6-8AB3-D9FC7E4E84F5}">
+  <ds:schemaRefs>
+    <ds:schemaRef ds:uri="http://schemas.microsoft.com/office/2006/documentManagement/types"/>
+    <ds:schemaRef ds:uri="http://schemas.microsoft.com/office/infopath/2007/PartnerControls"/>
+    <ds:schemaRef ds:uri="http://purl.org/dc/elements/1.1/"/>
+    <ds:schemaRef ds:uri="http://schemas.microsoft.com/office/2006/metadata/properties"/>
+    <ds:schemaRef ds:uri="http://schemas.microsoft.com/sharepoint/v3"/>
+    <ds:schemaRef ds:uri="http://purl.org/dc/terms/"/>
+    <ds:schemaRef ds:uri="http://schemas.openxmlformats.org/package/2006/metadata/core-properties"/>
+    <ds:schemaRef ds:uri="b1dcf5e4-b140-464e-ad28-2eb3e755d828"/>
+    <ds:schemaRef ds:uri="http://www.w3.org/XML/1998/namespace"/>
+    <ds:schemaRef ds:uri="http://purl.org/dc/dcmitype/"/>
+  </ds:schemaRefs>
+</ds:datastoreItem>
+</file>
+
+<file path=customXml/itemProps4.xml><?xml version="1.0" encoding="utf-8"?>
 <ds:datastoreItem xmlns:ds="http://schemas.openxmlformats.org/officeDocument/2006/customXml" ds:itemID="{2B9A5209-6B62-45AF-A291-0F45981CB3EB}">
   <ds:schemaRefs>
     <ds:schemaRef ds:uri="http://purl.org/dc/elements/1.1/"/>
@@ -45405,24 +45475,8 @@
 </ds:datastoreItem>
 </file>
 
-<file path=customXml/itemProps3.xml><?xml version="1.0" encoding="utf-8"?>
-<ds:datastoreItem xmlns:ds="http://schemas.openxmlformats.org/officeDocument/2006/customXml" ds:itemID="{08193F6F-6826-4A89-A1E0-62F63C4D8002}">
-  <ds:schemaRefs>
-    <ds:schemaRef ds:uri="http://schemas.microsoft.com/edu/athena"/>
-  </ds:schemaRefs>
-</ds:datastoreItem>
-</file>
-
-<file path=customXml/itemProps4.xml><?xml version="1.0" encoding="utf-8"?>
-<ds:datastoreItem xmlns:ds="http://schemas.openxmlformats.org/officeDocument/2006/customXml" ds:itemID="{6B384C8D-1C56-4977-BAAC-C3D67F61F69A}">
-  <ds:schemaRefs>
-    <ds:schemaRef ds:uri="http://schemas.microsoft.com/sharepoint/v3/contenttype/forms"/>
-  </ds:schemaRefs>
-</ds:datastoreItem>
-</file>
-
 <file path=customXml/itemProps5.xml><?xml version="1.0" encoding="utf-8"?>
-<ds:datastoreItem xmlns:ds="http://schemas.openxmlformats.org/officeDocument/2006/customXml" ds:itemID="{5AF7638F-52A2-4CD1-9637-3CAF01104E6D}">
+<ds:datastoreItem xmlns:ds="http://schemas.openxmlformats.org/officeDocument/2006/customXml" ds:itemID="{70069BDD-983B-48E5-828A-F2EABCA58089}">
   <ds:schemaRefs>
     <ds:schemaRef ds:uri="http://schemas.microsoft.com/edu/athena"/>
   </ds:schemaRefs>
@@ -45449,29 +45503,17 @@
 </file>
 
 <file path=customXml/itemProps7.xml><?xml version="1.0" encoding="utf-8"?>
-<ds:datastoreItem xmlns:ds="http://schemas.openxmlformats.org/officeDocument/2006/customXml" ds:itemID="{D31CAE25-9302-48A6-8AB3-D9FC7E4E84F5}">
+<ds:datastoreItem xmlns:ds="http://schemas.openxmlformats.org/officeDocument/2006/customXml" ds:itemID="{5AF7638F-52A2-4CD1-9637-3CAF01104E6D}">
   <ds:schemaRefs>
-    <ds:schemaRef ds:uri="http://schemas.microsoft.com/office/2006/documentManagement/types"/>
-    <ds:schemaRef ds:uri="http://schemas.microsoft.com/office/infopath/2007/PartnerControls"/>
-    <ds:schemaRef ds:uri="http://purl.org/dc/elements/1.1/"/>
-    <ds:schemaRef ds:uri="http://schemas.microsoft.com/office/2006/metadata/properties"/>
-    <ds:schemaRef ds:uri="http://schemas.microsoft.com/sharepoint/v3"/>
-    <ds:schemaRef ds:uri="http://purl.org/dc/terms/"/>
-    <ds:schemaRef ds:uri="http://schemas.openxmlformats.org/package/2006/metadata/core-properties"/>
-    <ds:schemaRef ds:uri="b1dcf5e4-b140-464e-ad28-2eb3e755d828"/>
-    <ds:schemaRef ds:uri="http://www.w3.org/XML/1998/namespace"/>
-    <ds:schemaRef ds:uri="http://purl.org/dc/dcmitype/"/>
+    <ds:schemaRef ds:uri="http://schemas.microsoft.com/edu/athena"/>
   </ds:schemaRefs>
 </ds:datastoreItem>
 </file>
 
 <file path=customXml/itemProps8.xml><?xml version="1.0" encoding="utf-8"?>
-<ds:datastoreItem xmlns:ds="http://schemas.openxmlformats.org/officeDocument/2006/customXml" ds:itemID="{0C66EC1C-3A5A-4373-B7C4-45F454930D87}">
+<ds:datastoreItem xmlns:ds="http://schemas.openxmlformats.org/officeDocument/2006/customXml" ds:itemID="{6B384C8D-1C56-4977-BAAC-C3D67F61F69A}">
   <ds:schemaRefs>
-    <ds:schemaRef ds:uri="http://schemas.microsoft.com/office/2006/metadata/properties"/>
-    <ds:schemaRef ds:uri="http://schemas.microsoft.com/office/infopath/2007/PartnerControls"/>
-    <ds:schemaRef ds:uri="b1dcf5e4-b140-464e-ad28-2eb3e755d828"/>
-    <ds:schemaRef ds:uri="http://schemas.microsoft.com/sharepoint/v3"/>
+    <ds:schemaRef ds:uri="http://schemas.microsoft.com/sharepoint/v3/contenttype/forms"/>
   </ds:schemaRefs>
 </ds:datastoreItem>
 </file>
--- a/Customer Churn.pptx
+++ b/Customer Churn.pptx
@@ -5111,8 +5111,8 @@
     <dgm:cxn modelId="{1E047CC2-3F08-4C84-B83E-A85E6BF3AF86}" type="presOf" srcId="{68CE3C3B-2127-44A9-87B0-E3F60FA58B6C}" destId="{A178EA76-FFC5-4E91-BA2F-CF8FCEE039B5}" srcOrd="0" destOrd="4" presId="urn:microsoft.com/office/officeart/2005/8/layout/hList6"/>
     <dgm:cxn modelId="{7F70CB2F-43D8-4646-B837-153BE67C51EB}" srcId="{BB030AC7-28B6-45A8-B3F6-4EDE6A26A9B6}" destId="{DF400407-FD98-4C63-9E40-02D26EB3BD55}" srcOrd="0" destOrd="0" parTransId="{2E518BE7-554A-4A63-99CF-02D8F3721E8C}" sibTransId="{3394FC5C-34E4-4EC1-8CA4-585127B49A49}"/>
     <dgm:cxn modelId="{466B7FF1-B55B-42CE-91E2-5DCD305812E0}" type="presOf" srcId="{291AB384-C6B9-4D5B-9122-291D5096F20A}" destId="{15085B01-F3B3-4942-AA71-8844B207D030}" srcOrd="0" destOrd="2" presId="urn:microsoft.com/office/officeart/2005/8/layout/hList6"/>
+    <dgm:cxn modelId="{A4B96D51-5EAF-4DB7-A231-C66FE62E6AD3}" type="presOf" srcId="{0589F478-C41C-4860-BEFD-E17EC264C8E4}" destId="{A055E98C-36DB-4F6B-8760-49DB41EE502A}" srcOrd="0" destOrd="8" presId="urn:microsoft.com/office/officeart/2005/8/layout/hList6"/>
     <dgm:cxn modelId="{E41D8DB5-3453-48BA-8457-C2A015D1AB13}" type="presOf" srcId="{4E760EE6-FF1A-4195-8BB8-DF1C1CFBCD38}" destId="{0965AED3-0CEB-42A2-86AA-3FE3F4C7DAA1}" srcOrd="0" destOrd="0" presId="urn:microsoft.com/office/officeart/2005/8/layout/hList6"/>
-    <dgm:cxn modelId="{A4B96D51-5EAF-4DB7-A231-C66FE62E6AD3}" type="presOf" srcId="{0589F478-C41C-4860-BEFD-E17EC264C8E4}" destId="{A055E98C-36DB-4F6B-8760-49DB41EE502A}" srcOrd="0" destOrd="8" presId="urn:microsoft.com/office/officeart/2005/8/layout/hList6"/>
     <dgm:cxn modelId="{59405F63-978E-4CE6-BF56-C55676EA9851}" type="presOf" srcId="{EA6C311C-5886-4FDF-8863-F38E926A016F}" destId="{C114D8A9-5AD1-4591-B1F3-DE43E1889018}" srcOrd="0" destOrd="4" presId="urn:microsoft.com/office/officeart/2005/8/layout/hList6"/>
     <dgm:cxn modelId="{D6DEE652-B684-408B-9606-24F85CF690B3}" type="presOf" srcId="{74950686-BFCD-416C-8929-497FF803BA8B}" destId="{C114D8A9-5AD1-4591-B1F3-DE43E1889018}" srcOrd="0" destOrd="5" presId="urn:microsoft.com/office/officeart/2005/8/layout/hList6"/>
     <dgm:cxn modelId="{E1E259B0-F6FB-47B9-89C9-EB847F9D03AE}" type="presOf" srcId="{8B057EE5-04FA-46E5-BEB2-84D132529EC1}" destId="{0965AED3-0CEB-42A2-86AA-3FE3F4C7DAA1}" srcOrd="0" destOrd="4" presId="urn:microsoft.com/office/officeart/2005/8/layout/hList6"/>
@@ -5710,8 +5710,8 @@
     <dgm:cxn modelId="{8C5DEC08-AC9A-4120-8127-4C27C49AADE1}" srcId="{5CDEFF74-3E78-4627-95B2-6B90D609A6CC}" destId="{B5BAEB16-8A6C-44F2-9224-F50B06B87E18}" srcOrd="2" destOrd="0" parTransId="{7AA057D1-E956-4320-AD59-C8688BFE794D}" sibTransId="{AD14F544-EA50-4518-ABE4-604C376E5A9D}"/>
     <dgm:cxn modelId="{BC8EB5AE-C8DE-4278-A48D-60A9F2AD5A02}" type="presOf" srcId="{5CDEFF74-3E78-4627-95B2-6B90D609A6CC}" destId="{C114D8A9-5AD1-4591-B1F3-DE43E1889018}" srcOrd="0" destOrd="0" presId="urn:microsoft.com/office/officeart/2005/8/layout/hList6"/>
     <dgm:cxn modelId="{912B0E6C-A8D5-41A1-ABB7-5C72F6DD7023}" type="presOf" srcId="{BF36B0A8-8B6A-4036-AB65-DA24B91C5442}" destId="{C114D8A9-5AD1-4591-B1F3-DE43E1889018}" srcOrd="0" destOrd="5" presId="urn:microsoft.com/office/officeart/2005/8/layout/hList6"/>
+    <dgm:cxn modelId="{93E001BF-700C-4C7B-B141-1A615D847409}" srcId="{59E828D2-1A9D-4BB7-B1EB-6A9ED1F58C0C}" destId="{5CDEFF74-3E78-4627-95B2-6B90D609A6CC}" srcOrd="0" destOrd="0" parTransId="{CFCA459E-99D8-44BA-A400-7A57275A73E2}" sibTransId="{7573ECD9-14E2-4BDD-8975-A8EDFBA33B5E}"/>
     <dgm:cxn modelId="{75351FDE-975C-46CA-A26C-7699DBD9BE67}" type="presOf" srcId="{B5BAEB16-8A6C-44F2-9224-F50B06B87E18}" destId="{C114D8A9-5AD1-4591-B1F3-DE43E1889018}" srcOrd="0" destOrd="4" presId="urn:microsoft.com/office/officeart/2005/8/layout/hList6"/>
-    <dgm:cxn modelId="{93E001BF-700C-4C7B-B141-1A615D847409}" srcId="{59E828D2-1A9D-4BB7-B1EB-6A9ED1F58C0C}" destId="{5CDEFF74-3E78-4627-95B2-6B90D609A6CC}" srcOrd="0" destOrd="0" parTransId="{CFCA459E-99D8-44BA-A400-7A57275A73E2}" sibTransId="{7573ECD9-14E2-4BDD-8975-A8EDFBA33B5E}"/>
     <dgm:cxn modelId="{1254BFBB-0450-45CD-BF55-D515D3D6CCA7}" type="presOf" srcId="{1C5FD141-F445-4433-8412-CE1F56852C98}" destId="{C114D8A9-5AD1-4591-B1F3-DE43E1889018}" srcOrd="0" destOrd="2" presId="urn:microsoft.com/office/officeart/2005/8/layout/hList6"/>
     <dgm:cxn modelId="{2536568C-04B8-471E-B964-6D9FD57D5AD3}" type="presParOf" srcId="{1F461873-51DF-43BE-BD11-E6ADDB79F4F2}" destId="{C114D8A9-5AD1-4591-B1F3-DE43E1889018}" srcOrd="0" destOrd="0" presId="urn:microsoft.com/office/officeart/2005/8/layout/hList6"/>
     <dgm:cxn modelId="{79EE7060-51E0-4172-8752-705A28AED501}" type="presParOf" srcId="{1F461873-51DF-43BE-BD11-E6ADDB79F4F2}" destId="{EB70960C-DA39-49F9-ADB2-763F27503F7F}" srcOrd="1" destOrd="0" presId="urn:microsoft.com/office/officeart/2005/8/layout/hList6"/>
@@ -13990,7 +13990,7 @@
           <a:p>
             <a:fld id="{38EEC551-8CDA-4EB6-89BB-2A86C9F091C8}" type="datetime8">
               <a:rPr lang="en-US" smtClean="0"/>
-              <a:t>10/27/2016 4:13 PM</a:t>
+              <a:t>10/27/2016 4:26 PM</a:t>
             </a:fld>
             <a:endParaRPr lang="en-US"/>
           </a:p>
@@ -14155,7 +14155,7 @@
           <a:p>
             <a:fld id="{38EEC551-8CDA-4EB6-89BB-2A86C9F091C8}" type="datetime8">
               <a:rPr lang="en-US" smtClean="0"/>
-              <a:t>10/27/2016 4:13 PM</a:t>
+              <a:t>10/27/2016 4:26 PM</a:t>
             </a:fld>
             <a:endParaRPr lang="en-US"/>
           </a:p>
@@ -14320,7 +14320,7 @@
           <a:p>
             <a:fld id="{38EEC551-8CDA-4EB6-89BB-2A86C9F091C8}" type="datetime8">
               <a:rPr lang="en-US" smtClean="0"/>
-              <a:t>10/27/2016 4:13 PM</a:t>
+              <a:t>10/27/2016 4:26 PM</a:t>
             </a:fld>
             <a:endParaRPr lang="en-US"/>
           </a:p>
@@ -14485,7 +14485,7 @@
           <a:p>
             <a:fld id="{38EEC551-8CDA-4EB6-89BB-2A86C9F091C8}" type="datetime8">
               <a:rPr lang="en-US" smtClean="0"/>
-              <a:t>10/27/2016 4:13 PM</a:t>
+              <a:t>10/27/2016 4:26 PM</a:t>
             </a:fld>
             <a:endParaRPr lang="en-US"/>
           </a:p>
@@ -14650,7 +14650,7 @@
           <a:p>
             <a:fld id="{38EEC551-8CDA-4EB6-89BB-2A86C9F091C8}" type="datetime8">
               <a:rPr lang="en-US" smtClean="0"/>
-              <a:t>10/27/2016 4:13 PM</a:t>
+              <a:t>10/27/2016 4:26 PM</a:t>
             </a:fld>
             <a:endParaRPr lang="en-US"/>
           </a:p>
@@ -24239,14 +24239,14 @@
           </a:ln>
           <a:extLst>
             <a:ext uri="{909E8E84-426E-40dd-AFC4-6F175D3DCCD1}">
-              <a14:hiddenFill xmlns="" xmlns:a14="http://schemas.microsoft.com/office/drawing/2010/main">
+              <a14:hiddenFill xmlns:a14="http://schemas.microsoft.com/office/drawing/2010/main" xmlns="">
                 <a:solidFill>
                   <a:srgbClr val="FFFFFF"/>
                 </a:solidFill>
               </a14:hiddenFill>
             </a:ext>
             <a:ext uri="{91240B29-F687-4f45-9708-019B960494DF}">
-              <a14:hiddenLine xmlns="" xmlns:a14="http://schemas.microsoft.com/office/drawing/2010/main" w="9525">
+              <a14:hiddenLine xmlns:a14="http://schemas.microsoft.com/office/drawing/2010/main" xmlns="" w="9525">
                 <a:solidFill>
                   <a:srgbClr val="000000"/>
                 </a:solidFill>
@@ -24277,14 +24277,14 @@
           <a:noFill/>
           <a:extLst>
             <a:ext uri="{909E8E84-426E-40dd-AFC4-6F175D3DCCD1}">
-              <a14:hiddenFill xmlns="" xmlns:a14="http://schemas.microsoft.com/office/drawing/2010/main">
+              <a14:hiddenFill xmlns:a14="http://schemas.microsoft.com/office/drawing/2010/main" xmlns="">
                 <a:solidFill>
                   <a:srgbClr val="FFFFFF"/>
                 </a:solidFill>
               </a14:hiddenFill>
             </a:ext>
             <a:ext uri="{91240B29-F687-4f45-9708-019B960494DF}">
-              <a14:hiddenLine xmlns="" xmlns:a14="http://schemas.microsoft.com/office/drawing/2010/main" w="9525">
+              <a14:hiddenLine xmlns:a14="http://schemas.microsoft.com/office/drawing/2010/main" xmlns="" w="9525">
                 <a:solidFill>
                   <a:srgbClr val="000000"/>
                 </a:solidFill>
@@ -24784,14 +24784,14 @@
           <a:noFill/>
           <a:extLst>
             <a:ext uri="{909E8E84-426E-40dd-AFC4-6F175D3DCCD1}">
-              <a14:hiddenFill xmlns="" xmlns:a14="http://schemas.microsoft.com/office/drawing/2010/main">
+              <a14:hiddenFill xmlns:a14="http://schemas.microsoft.com/office/drawing/2010/main" xmlns="">
                 <a:solidFill>
                   <a:srgbClr val="FFFFFF"/>
                 </a:solidFill>
               </a14:hiddenFill>
             </a:ext>
             <a:ext uri="{91240B29-F687-4f45-9708-019B960494DF}">
-              <a14:hiddenLine xmlns="" xmlns:a14="http://schemas.microsoft.com/office/drawing/2010/main" w="9525">
+              <a14:hiddenLine xmlns:a14="http://schemas.microsoft.com/office/drawing/2010/main" xmlns="" w="9525">
                 <a:solidFill>
                   <a:srgbClr val="000000"/>
                 </a:solidFill>
@@ -27195,14 +27195,14 @@
           </a:ln>
           <a:extLst>
             <a:ext uri="{909E8E84-426E-40dd-AFC4-6F175D3DCCD1}">
-              <a14:hiddenFill xmlns="" xmlns:a14="http://schemas.microsoft.com/office/drawing/2010/main">
+              <a14:hiddenFill xmlns:a14="http://schemas.microsoft.com/office/drawing/2010/main" xmlns="">
                 <a:solidFill>
                   <a:srgbClr val="FFFFFF"/>
                 </a:solidFill>
               </a14:hiddenFill>
             </a:ext>
             <a:ext uri="{91240B29-F687-4f45-9708-019B960494DF}">
-              <a14:hiddenLine xmlns="" xmlns:a14="http://schemas.microsoft.com/office/drawing/2010/main" w="9525">
+              <a14:hiddenLine xmlns:a14="http://schemas.microsoft.com/office/drawing/2010/main" xmlns="" w="9525">
                 <a:solidFill>
                   <a:srgbClr val="000000"/>
                 </a:solidFill>
@@ -27375,14 +27375,14 @@
           <a:noFill/>
           <a:extLst>
             <a:ext uri="{909E8E84-426E-40dd-AFC4-6F175D3DCCD1}">
-              <a14:hiddenFill xmlns="" xmlns:a14="http://schemas.microsoft.com/office/drawing/2010/main">
+              <a14:hiddenFill xmlns:a14="http://schemas.microsoft.com/office/drawing/2010/main" xmlns="">
                 <a:solidFill>
                   <a:srgbClr val="FFFFFF"/>
                 </a:solidFill>
               </a14:hiddenFill>
             </a:ext>
             <a:ext uri="{91240B29-F687-4f45-9708-019B960494DF}">
-              <a14:hiddenLine xmlns="" xmlns:a14="http://schemas.microsoft.com/office/drawing/2010/main" w="9525">
+              <a14:hiddenLine xmlns:a14="http://schemas.microsoft.com/office/drawing/2010/main" xmlns="" w="9525">
                 <a:solidFill>
                   <a:srgbClr val="000000"/>
                 </a:solidFill>
@@ -27594,14 +27594,14 @@
           <a:noFill/>
           <a:extLst>
             <a:ext uri="{909E8E84-426E-40dd-AFC4-6F175D3DCCD1}">
-              <a14:hiddenFill xmlns="" xmlns:a14="http://schemas.microsoft.com/office/drawing/2010/main">
+              <a14:hiddenFill xmlns:a14="http://schemas.microsoft.com/office/drawing/2010/main" xmlns="">
                 <a:solidFill>
                   <a:srgbClr val="FFFFFF"/>
                 </a:solidFill>
               </a14:hiddenFill>
             </a:ext>
             <a:ext uri="{91240B29-F687-4f45-9708-019B960494DF}">
-              <a14:hiddenLine xmlns="" xmlns:a14="http://schemas.microsoft.com/office/drawing/2010/main" w="9525">
+              <a14:hiddenLine xmlns:a14="http://schemas.microsoft.com/office/drawing/2010/main" xmlns="" w="9525">
                 <a:solidFill>
                   <a:srgbClr val="000000"/>
                 </a:solidFill>
@@ -28244,14 +28244,14 @@
           </a:ln>
           <a:extLst>
             <a:ext uri="{909E8E84-426E-40dd-AFC4-6F175D3DCCD1}">
-              <a14:hiddenFill xmlns="" xmlns:a14="http://schemas.microsoft.com/office/drawing/2010/main">
+              <a14:hiddenFill xmlns:a14="http://schemas.microsoft.com/office/drawing/2010/main" xmlns="">
                 <a:solidFill>
                   <a:srgbClr val="FFFFFF"/>
                 </a:solidFill>
               </a14:hiddenFill>
             </a:ext>
             <a:ext uri="{91240B29-F687-4f45-9708-019B960494DF}">
-              <a14:hiddenLine xmlns="" xmlns:a14="http://schemas.microsoft.com/office/drawing/2010/main" w="9525">
+              <a14:hiddenLine xmlns:a14="http://schemas.microsoft.com/office/drawing/2010/main" xmlns="" w="9525">
                 <a:solidFill>
                   <a:srgbClr val="000000"/>
                 </a:solidFill>
@@ -28424,14 +28424,14 @@
           <a:noFill/>
           <a:extLst>
             <a:ext uri="{909E8E84-426E-40dd-AFC4-6F175D3DCCD1}">
-              <a14:hiddenFill xmlns="" xmlns:a14="http://schemas.microsoft.com/office/drawing/2010/main">
+              <a14:hiddenFill xmlns:a14="http://schemas.microsoft.com/office/drawing/2010/main" xmlns="">
                 <a:solidFill>
                   <a:srgbClr val="FFFFFF"/>
                 </a:solidFill>
               </a14:hiddenFill>
             </a:ext>
             <a:ext uri="{91240B29-F687-4f45-9708-019B960494DF}">
-              <a14:hiddenLine xmlns="" xmlns:a14="http://schemas.microsoft.com/office/drawing/2010/main" w="9525">
+              <a14:hiddenLine xmlns:a14="http://schemas.microsoft.com/office/drawing/2010/main" xmlns="" w="9525">
                 <a:solidFill>
                   <a:srgbClr val="000000"/>
                 </a:solidFill>
@@ -28643,14 +28643,14 @@
           <a:noFill/>
           <a:extLst>
             <a:ext uri="{909E8E84-426E-40dd-AFC4-6F175D3DCCD1}">
-              <a14:hiddenFill xmlns="" xmlns:a14="http://schemas.microsoft.com/office/drawing/2010/main">
+              <a14:hiddenFill xmlns:a14="http://schemas.microsoft.com/office/drawing/2010/main" xmlns="">
                 <a:solidFill>
                   <a:srgbClr val="FFFFFF"/>
                 </a:solidFill>
               </a14:hiddenFill>
             </a:ext>
             <a:ext uri="{91240B29-F687-4f45-9708-019B960494DF}">
-              <a14:hiddenLine xmlns="" xmlns:a14="http://schemas.microsoft.com/office/drawing/2010/main" w="9525">
+              <a14:hiddenLine xmlns:a14="http://schemas.microsoft.com/office/drawing/2010/main" xmlns="" w="9525">
                 <a:solidFill>
                   <a:srgbClr val="000000"/>
                 </a:solidFill>
@@ -29358,7 +29358,7 @@
           <a:lstStyle/>
           <a:p>
             <a:r>
-              <a:rPr lang="en-US"/>
+              <a:rPr lang="en-US" dirty="0"/>
               <a:t>Tags:</a:t>
             </a:r>
           </a:p>
@@ -29368,7 +29368,7 @@
               <a:buChar char="•"/>
             </a:pPr>
             <a:r>
-              <a:rPr lang="en-US">
+              <a:rPr lang="en-US" dirty="0">
                 <a:solidFill>
                   <a:srgbClr val="C00000"/>
                 </a:solidFill>
@@ -29376,8 +29376,16 @@
               <a:t>Non Churn </a:t>
             </a:r>
             <a:r>
-              <a:rPr lang="en-US"/>
-              <a:t>– UserID is not churn</a:t>
+              <a:rPr lang="en-US" dirty="0"/>
+              <a:t>– </a:t>
+            </a:r>
+            <a:r>
+              <a:rPr lang="en-US" dirty="0" err="1"/>
+              <a:t>UserID</a:t>
+            </a:r>
+            <a:r>
+              <a:rPr lang="en-US" dirty="0"/>
+              <a:t> is not churn</a:t>
             </a:r>
           </a:p>
           <a:p>
@@ -29386,7 +29394,7 @@
               <a:buChar char="•"/>
             </a:pPr>
             <a:r>
-              <a:rPr lang="en-US">
+              <a:rPr lang="en-US" dirty="0">
                 <a:solidFill>
                   <a:srgbClr val="C00000"/>
                 </a:solidFill>
@@ -29394,8 +29402,16 @@
               <a:t>Churn</a:t>
             </a:r>
             <a:r>
-              <a:rPr lang="en-US"/>
-              <a:t> – UserID is churn</a:t>
+              <a:rPr lang="en-US" dirty="0"/>
+              <a:t> – </a:t>
+            </a:r>
+            <a:r>
+              <a:rPr lang="en-US" dirty="0" err="1"/>
+              <a:t>UserID</a:t>
+            </a:r>
+            <a:r>
+              <a:rPr lang="en-US" dirty="0"/>
+              <a:t> is churn</a:t>
             </a:r>
           </a:p>
         </p:txBody>
@@ -35511,7 +35527,7 @@
           <p:nvPr>
             <p:extLst>
               <p:ext uri="{D42A27DB-BD31-4B8C-83A1-F6EECF244321}">
-                <p14:modId xmlns:p14="http://schemas.microsoft.com/office/powerpoint/2010/main" val="3379163294"/>
+                <p14:modId xmlns:p14="http://schemas.microsoft.com/office/powerpoint/2010/main" val="571998685"/>
               </p:ext>
             </p:extLst>
           </p:nvPr>
@@ -35549,7 +35565,7 @@
                     <a:lstStyle/>
                     <a:p>
                       <a:r>
-                        <a:rPr lang="en-US" sz="1200"/>
+                        <a:rPr lang="en-US" sz="1200" dirty="0"/>
                         <a:t>Data fields</a:t>
                       </a:r>
                     </a:p>
@@ -35582,8 +35598,8 @@
                     <a:lstStyle/>
                     <a:p>
                       <a:r>
-                        <a:rPr lang="en-US" sz="1200"/>
-                        <a:t>transactionID</a:t>
+                        <a:rPr lang="en-US" sz="1200" dirty="0"/>
+                        <a:t>TransactionId</a:t>
                       </a:r>
                     </a:p>
                   </a:txBody>
@@ -35595,14 +35611,14 @@
                     <a:lstStyle/>
                     <a:p>
                       <a:r>
-                        <a:rPr lang="en-US" sz="1200"/>
+                        <a:rPr lang="en-US" sz="1200" dirty="0"/>
                         <a:t>Unique</a:t>
                       </a:r>
                       <a:r>
-                        <a:rPr lang="en-US" sz="1200" baseline="0"/>
+                        <a:rPr lang="en-US" sz="1200" baseline="0" dirty="0"/>
                         <a:t> transaction ID</a:t>
                       </a:r>
-                      <a:endParaRPr lang="en-US" sz="1200"/>
+                      <a:endParaRPr lang="en-US" sz="1200" dirty="0"/>
                     </a:p>
                   </a:txBody>
                   <a:tcPr/>
@@ -35620,8 +35636,8 @@
                     <a:lstStyle/>
                     <a:p>
                       <a:r>
-                        <a:rPr lang="en-US" sz="1200"/>
-                        <a:t>transactionTime</a:t>
+                        <a:rPr lang="en-US" sz="1200" dirty="0"/>
+                        <a:t>TransactionTime</a:t>
                       </a:r>
                     </a:p>
                   </a:txBody>
@@ -35653,8 +35669,8 @@
                     <a:lstStyle/>
                     <a:p>
                       <a:r>
-                        <a:rPr lang="en-US" sz="1200"/>
-                        <a:t>UserID</a:t>
+                        <a:rPr lang="en-US" sz="1200" dirty="0"/>
+                        <a:t>UserId</a:t>
                       </a:r>
                     </a:p>
                   </a:txBody>
@@ -35691,8 +35707,8 @@
                     <a:lstStyle/>
                     <a:p>
                       <a:r>
-                        <a:rPr lang="en-US" sz="1200"/>
-                        <a:t>ItemID</a:t>
+                        <a:rPr lang="en-US" sz="1200" dirty="0"/>
+                        <a:t>ItemId</a:t>
                       </a:r>
                     </a:p>
                   </a:txBody>
@@ -35704,8 +35720,8 @@
                     <a:lstStyle/>
                     <a:p>
                       <a:r>
-                        <a:rPr lang="en-US" sz="1200"/>
-                        <a:t>Item id customer purchased</a:t>
+                        <a:rPr lang="en-US" sz="1200" dirty="0"/>
+                        <a:t>Item ID customer purchased</a:t>
                       </a:r>
                     </a:p>
                   </a:txBody>
@@ -35724,7 +35740,7 @@
                     <a:lstStyle/>
                     <a:p>
                       <a:r>
-                        <a:rPr lang="en-US" sz="1200"/>
+                        <a:rPr lang="en-US" sz="1200" dirty="0"/>
                         <a:t>Quantity</a:t>
                       </a:r>
                     </a:p>
@@ -35762,7 +35778,7 @@
                     <a:lstStyle/>
                     <a:p>
                       <a:r>
-                        <a:rPr lang="en-US" sz="1200"/>
+                        <a:rPr lang="en-US" sz="1200" dirty="0"/>
                         <a:t>Value</a:t>
                       </a:r>
                     </a:p>
@@ -35846,7 +35862,7 @@
                     <a:lstStyle/>
                     <a:p>
                       <a:r>
-                        <a:rPr lang="en-US" sz="1200"/>
+                        <a:rPr lang="en-US" sz="1200" dirty="0"/>
                         <a:t>Product category</a:t>
                       </a:r>
                     </a:p>
@@ -36016,7 +36032,7 @@
           <p:nvPr>
             <p:extLst>
               <p:ext uri="{D42A27DB-BD31-4B8C-83A1-F6EECF244321}">
-                <p14:modId xmlns:p14="http://schemas.microsoft.com/office/powerpoint/2010/main" val="4284857926"/>
+                <p14:modId xmlns:p14="http://schemas.microsoft.com/office/powerpoint/2010/main" val="2621995245"/>
               </p:ext>
             </p:extLst>
           </p:nvPr>
@@ -36087,8 +36103,8 @@
                     <a:lstStyle/>
                     <a:p>
                       <a:r>
-                        <a:rPr lang="en-US" sz="1200"/>
-                        <a:t>UserID</a:t>
+                        <a:rPr lang="en-US" sz="1200" dirty="0"/>
+                        <a:t>UserId</a:t>
                       </a:r>
                     </a:p>
                   </a:txBody>
@@ -36138,14 +36154,14 @@
                     <a:lstStyle/>
                     <a:p>
                       <a:r>
-                        <a:rPr lang="en-US" sz="1200"/>
+                        <a:rPr lang="en-US" sz="1200" dirty="0"/>
                         <a:t>Customer</a:t>
                       </a:r>
                       <a:r>
-                        <a:rPr lang="en-US" sz="1200" baseline="0"/>
-                        <a:t> age.</a:t>
+                        <a:rPr lang="en-US" sz="1200" baseline="0" dirty="0"/>
+                        <a:t> age</a:t>
                       </a:r>
-                      <a:endParaRPr lang="en-US" sz="1200"/>
+                      <a:endParaRPr lang="en-US" sz="1200" dirty="0"/>
                     </a:p>
                   </a:txBody>
                   <a:tcPr/>
@@ -36243,7 +36259,11 @@
                     <a:p>
                       <a:r>
                         <a:rPr lang="en-US" sz="1200"/>
-                        <a:t>User type</a:t>
+                        <a:t>Customer </a:t>
+                      </a:r>
+                      <a:r>
+                        <a:rPr lang="en-US" sz="1200" dirty="0"/>
+                        <a:t>type</a:t>
                       </a:r>
                     </a:p>
                   </a:txBody>
@@ -38112,14 +38132,14 @@
           </a:ln>
           <a:extLst>
             <a:ext uri="{909E8E84-426E-40dd-AFC4-6F175D3DCCD1}">
-              <a14:hiddenFill xmlns="" xmlns:a14="http://schemas.microsoft.com/office/drawing/2010/main">
+              <a14:hiddenFill xmlns:a14="http://schemas.microsoft.com/office/drawing/2010/main" xmlns="">
                 <a:solidFill>
                   <a:srgbClr val="FFFFFF"/>
                 </a:solidFill>
               </a14:hiddenFill>
             </a:ext>
             <a:ext uri="{91240B29-F687-4f45-9708-019B960494DF}">
-              <a14:hiddenLine xmlns="" xmlns:a14="http://schemas.microsoft.com/office/drawing/2010/main" w="9525">
+              <a14:hiddenLine xmlns:a14="http://schemas.microsoft.com/office/drawing/2010/main" xmlns="" w="9525">
                 <a:solidFill>
                   <a:srgbClr val="000000"/>
                 </a:solidFill>
@@ -38150,14 +38170,14 @@
           <a:noFill/>
           <a:extLst>
             <a:ext uri="{909E8E84-426E-40dd-AFC4-6F175D3DCCD1}">
-              <a14:hiddenFill xmlns="" xmlns:a14="http://schemas.microsoft.com/office/drawing/2010/main">
+              <a14:hiddenFill xmlns:a14="http://schemas.microsoft.com/office/drawing/2010/main" xmlns="">
                 <a:solidFill>
                   <a:srgbClr val="FFFFFF"/>
                 </a:solidFill>
               </a14:hiddenFill>
             </a:ext>
             <a:ext uri="{91240B29-F687-4f45-9708-019B960494DF}">
-              <a14:hiddenLine xmlns="" xmlns:a14="http://schemas.microsoft.com/office/drawing/2010/main" w="9525">
+              <a14:hiddenLine xmlns:a14="http://schemas.microsoft.com/office/drawing/2010/main" xmlns="" w="9525">
                 <a:solidFill>
                   <a:srgbClr val="000000"/>
                 </a:solidFill>
@@ -38657,14 +38677,14 @@
           <a:noFill/>
           <a:extLst>
             <a:ext uri="{909E8E84-426E-40dd-AFC4-6F175D3DCCD1}">
-              <a14:hiddenFill xmlns="" xmlns:a14="http://schemas.microsoft.com/office/drawing/2010/main">
+              <a14:hiddenFill xmlns:a14="http://schemas.microsoft.com/office/drawing/2010/main" xmlns="">
                 <a:solidFill>
                   <a:srgbClr val="FFFFFF"/>
                 </a:solidFill>
               </a14:hiddenFill>
             </a:ext>
             <a:ext uri="{91240B29-F687-4f45-9708-019B960494DF}">
-              <a14:hiddenLine xmlns="" xmlns:a14="http://schemas.microsoft.com/office/drawing/2010/main" w="9525">
+              <a14:hiddenLine xmlns:a14="http://schemas.microsoft.com/office/drawing/2010/main" xmlns="" w="9525">
                 <a:solidFill>
                   <a:srgbClr val="000000"/>
                 </a:solidFill>
@@ -40818,14 +40838,14 @@
           </a:ln>
           <a:extLst>
             <a:ext uri="{909E8E84-426E-40dd-AFC4-6F175D3DCCD1}">
-              <a14:hiddenFill xmlns="" xmlns:a14="http://schemas.microsoft.com/office/drawing/2010/main">
+              <a14:hiddenFill xmlns:a14="http://schemas.microsoft.com/office/drawing/2010/main" xmlns="">
                 <a:solidFill>
                   <a:srgbClr val="FFFFFF"/>
                 </a:solidFill>
               </a14:hiddenFill>
             </a:ext>
             <a:ext uri="{91240B29-F687-4f45-9708-019B960494DF}">
-              <a14:hiddenLine xmlns="" xmlns:a14="http://schemas.microsoft.com/office/drawing/2010/main" w="9525">
+              <a14:hiddenLine xmlns:a14="http://schemas.microsoft.com/office/drawing/2010/main" xmlns="" w="9525">
                 <a:solidFill>
                   <a:srgbClr val="000000"/>
                 </a:solidFill>
@@ -40856,14 +40876,14 @@
           <a:noFill/>
           <a:extLst>
             <a:ext uri="{909E8E84-426E-40dd-AFC4-6F175D3DCCD1}">
-              <a14:hiddenFill xmlns="" xmlns:a14="http://schemas.microsoft.com/office/drawing/2010/main">
+              <a14:hiddenFill xmlns:a14="http://schemas.microsoft.com/office/drawing/2010/main" xmlns="">
                 <a:solidFill>
                   <a:srgbClr val="FFFFFF"/>
                 </a:solidFill>
               </a14:hiddenFill>
             </a:ext>
             <a:ext uri="{91240B29-F687-4f45-9708-019B960494DF}">
-              <a14:hiddenLine xmlns="" xmlns:a14="http://schemas.microsoft.com/office/drawing/2010/main" w="9525">
+              <a14:hiddenLine xmlns:a14="http://schemas.microsoft.com/office/drawing/2010/main" xmlns="" w="9525">
                 <a:solidFill>
                   <a:srgbClr val="000000"/>
                 </a:solidFill>
@@ -41363,14 +41383,14 @@
           <a:noFill/>
           <a:extLst>
             <a:ext uri="{909E8E84-426E-40dd-AFC4-6F175D3DCCD1}">
-              <a14:hiddenFill xmlns="" xmlns:a14="http://schemas.microsoft.com/office/drawing/2010/main">
+              <a14:hiddenFill xmlns:a14="http://schemas.microsoft.com/office/drawing/2010/main" xmlns="">
                 <a:solidFill>
                   <a:srgbClr val="FFFFFF"/>
                 </a:solidFill>
               </a14:hiddenFill>
             </a:ext>
             <a:ext uri="{91240B29-F687-4f45-9708-019B960494DF}">
-              <a14:hiddenLine xmlns="" xmlns:a14="http://schemas.microsoft.com/office/drawing/2010/main" w="9525">
+              <a14:hiddenLine xmlns:a14="http://schemas.microsoft.com/office/drawing/2010/main" xmlns="" w="9525">
                 <a:solidFill>
                   <a:srgbClr val="000000"/>
                 </a:solidFill>
@@ -44610,6 +44630,15 @@
 </file>
 
 <file path=customXml/item1.xml><?xml version="1.0" encoding="utf-8"?>
+<?mso-contentType ?>
+<FormTemplates xmlns="http://schemas.microsoft.com/sharepoint/v3/contenttype/forms">
+  <Display>DocumentLibraryForm</Display>
+  <Edit>DocumentLibraryForm</Edit>
+  <New>DocumentLibraryForm</New>
+</FormTemplates>
+</file>
+
+<file path=customXml/item2.xml><?xml version="1.0" encoding="utf-8"?>
 <p:properties xmlns:p="http://schemas.microsoft.com/office/2006/metadata/properties" xmlns:xsi="http://www.w3.org/2001/XMLSchema-instance" xmlns:pc="http://schemas.microsoft.com/office/infopath/2007/PartnerControls">
   <documentManagement>
     <SharedWithUsers xmlns="b1dcf5e4-b140-464e-ad28-2eb3e755d828">
@@ -44915,13 +44944,19 @@
 </p:properties>
 </file>
 
-<file path=customXml/item2.xml><?xml version="1.0" encoding="utf-8"?>
+<file path=customXml/item3.xml><?xml version="1.0" encoding="utf-8"?>
 <athena xmlns="http://schemas.microsoft.com/edu/athena" version="0.1.4983.0">
   <timings duration="28260"/>
 </athena>
 </file>
 
-<file path=customXml/item3.xml><?xml version="1.0" encoding="utf-8"?>
+<file path=customXml/item4.xml><?xml version="1.0" encoding="utf-8"?>
+<athena xmlns="http://schemas.microsoft.com/edu/athena" version="0.1.4983.0">
+  <timings duration="28260"/>
+</athena>
+</file>
+
+<file path=customXml/item5.xml><?xml version="1.0" encoding="utf-8"?>
 <p:properties xmlns:p="http://schemas.microsoft.com/office/2006/metadata/properties" xmlns:xsi="http://www.w3.org/2001/XMLSchema-instance" xmlns:pc="http://schemas.microsoft.com/office/infopath/2007/PartnerControls">
   <documentManagement>
     <SharedWithUsers xmlns="b1dcf5e4-b140-464e-ad28-2eb3e755d828">
@@ -45227,21 +45262,6 @@
 </p:properties>
 </file>
 
-<file path=customXml/item4.xml><?xml version="1.0" encoding="utf-8"?>
-<p:properties xmlns:p="http://schemas.microsoft.com/office/2006/metadata/properties" xmlns:xsi="http://www.w3.org/2001/XMLSchema-instance" xmlns:pc="http://schemas.microsoft.com/office/infopath/2007/PartnerControls">
-  <documentManagement>
-    <_ip_UnifiedCompliancePolicyUIAction xmlns="http://schemas.microsoft.com/sharepoint/v3" xsi:nil="true"/>
-    <_ip_UnifiedCompliancePolicyProperties xmlns="http://schemas.microsoft.com/sharepoint/v3" xsi:nil="true"/>
-  </documentManagement>
-</p:properties>
-</file>
-
-<file path=customXml/item5.xml><?xml version="1.0" encoding="utf-8"?>
-<athena xmlns="http://schemas.microsoft.com/edu/athena" version="0.1.4983.0">
-  <timings duration="28260"/>
-</athena>
-</file>
-
 <file path=customXml/item6.xml><?xml version="1.0" encoding="utf-8"?>
 <ct:contentTypeSchema xmlns:ct="http://schemas.microsoft.com/office/2006/metadata/contentType" xmlns:ma="http://schemas.microsoft.com/office/2006/metadata/properties/metaAttributes" ct:_="" ma:_="" ma:contentTypeName="Document" ma:contentTypeID="0x01010087F04871385379499F2DE2943CF3F531" ma:contentTypeVersion="4" ma:contentTypeDescription="Create a new document." ma:contentTypeScope="" ma:versionID="e9dd28ebf362d4e80b8c970ebeefe3a0">
   <xsd:schema xmlns:xsd="http://www.w3.org/2001/XMLSchema" xmlns:xs="http://www.w3.org/2001/XMLSchema" xmlns:p="http://schemas.microsoft.com/office/2006/metadata/properties" xmlns:ns1="http://schemas.microsoft.com/sharepoint/v3" xmlns:ns2="b1dcf5e4-b140-464e-ad28-2eb3e755d828" targetNamespace="http://schemas.microsoft.com/office/2006/metadata/properties" ma:root="true" ma:fieldsID="03b8be3648692d7b724f1e1961529e5c" ns1:_="" ns2:_="">
@@ -45414,34 +45434,23 @@
 </file>
 
 <file path=customXml/item8.xml><?xml version="1.0" encoding="utf-8"?>
-<?mso-contentType ?>
-<FormTemplates xmlns="http://schemas.microsoft.com/sharepoint/v3/contenttype/forms">
-  <Display>DocumentLibraryForm</Display>
-  <Edit>DocumentLibraryForm</Edit>
-  <New>DocumentLibraryForm</New>
-</FormTemplates>
+<p:properties xmlns:p="http://schemas.microsoft.com/office/2006/metadata/properties" xmlns:xsi="http://www.w3.org/2001/XMLSchema-instance" xmlns:pc="http://schemas.microsoft.com/office/infopath/2007/PartnerControls">
+  <documentManagement>
+    <_ip_UnifiedCompliancePolicyUIAction xmlns="http://schemas.microsoft.com/sharepoint/v3" xsi:nil="true"/>
+    <_ip_UnifiedCompliancePolicyProperties xmlns="http://schemas.microsoft.com/sharepoint/v3" xsi:nil="true"/>
+  </documentManagement>
+</p:properties>
 </file>
 
 <file path=customXml/itemProps1.xml><?xml version="1.0" encoding="utf-8"?>
-<ds:datastoreItem xmlns:ds="http://schemas.openxmlformats.org/officeDocument/2006/customXml" ds:itemID="{0C66EC1C-3A5A-4373-B7C4-45F454930D87}">
+<ds:datastoreItem xmlns:ds="http://schemas.openxmlformats.org/officeDocument/2006/customXml" ds:itemID="{6B384C8D-1C56-4977-BAAC-C3D67F61F69A}">
   <ds:schemaRefs>
-    <ds:schemaRef ds:uri="http://schemas.microsoft.com/office/2006/metadata/properties"/>
-    <ds:schemaRef ds:uri="http://schemas.microsoft.com/office/infopath/2007/PartnerControls"/>
-    <ds:schemaRef ds:uri="b1dcf5e4-b140-464e-ad28-2eb3e755d828"/>
-    <ds:schemaRef ds:uri="http://schemas.microsoft.com/sharepoint/v3"/>
+    <ds:schemaRef ds:uri="http://schemas.microsoft.com/sharepoint/v3/contenttype/forms"/>
   </ds:schemaRefs>
 </ds:datastoreItem>
 </file>
 
 <file path=customXml/itemProps2.xml><?xml version="1.0" encoding="utf-8"?>
-<ds:datastoreItem xmlns:ds="http://schemas.openxmlformats.org/officeDocument/2006/customXml" ds:itemID="{08193F6F-6826-4A89-A1E0-62F63C4D8002}">
-  <ds:schemaRefs>
-    <ds:schemaRef ds:uri="http://schemas.microsoft.com/edu/athena"/>
-  </ds:schemaRefs>
-</ds:datastoreItem>
-</file>
-
-<file path=customXml/itemProps3.xml><?xml version="1.0" encoding="utf-8"?>
 <ds:datastoreItem xmlns:ds="http://schemas.openxmlformats.org/officeDocument/2006/customXml" ds:itemID="{D31CAE25-9302-48A6-8AB3-D9FC7E4E84F5}">
   <ds:schemaRefs>
     <ds:schemaRef ds:uri="http://schemas.microsoft.com/office/2006/documentManagement/types"/>
@@ -45458,27 +45467,29 @@
 </ds:datastoreItem>
 </file>
 
+<file path=customXml/itemProps3.xml><?xml version="1.0" encoding="utf-8"?>
+<ds:datastoreItem xmlns:ds="http://schemas.openxmlformats.org/officeDocument/2006/customXml" ds:itemID="{5AF7638F-52A2-4CD1-9637-3CAF01104E6D}">
+  <ds:schemaRefs>
+    <ds:schemaRef ds:uri="http://schemas.microsoft.com/edu/athena"/>
+  </ds:schemaRefs>
+</ds:datastoreItem>
+</file>
+
 <file path=customXml/itemProps4.xml><?xml version="1.0" encoding="utf-8"?>
-<ds:datastoreItem xmlns:ds="http://schemas.openxmlformats.org/officeDocument/2006/customXml" ds:itemID="{2B9A5209-6B62-45AF-A291-0F45981CB3EB}">
+<ds:datastoreItem xmlns:ds="http://schemas.openxmlformats.org/officeDocument/2006/customXml" ds:itemID="{08193F6F-6826-4A89-A1E0-62F63C4D8002}">
   <ds:schemaRefs>
-    <ds:schemaRef ds:uri="http://purl.org/dc/elements/1.1/"/>
-    <ds:schemaRef ds:uri="http://schemas.microsoft.com/office/2006/metadata/properties"/>
-    <ds:schemaRef ds:uri="b1dcf5e4-b140-464e-ad28-2eb3e755d828"/>
-    <ds:schemaRef ds:uri="http://schemas.microsoft.com/office/infopath/2007/PartnerControls"/>
-    <ds:schemaRef ds:uri="http://purl.org/dc/terms/"/>
-    <ds:schemaRef ds:uri="http://schemas.microsoft.com/office/2006/documentManagement/types"/>
-    <ds:schemaRef ds:uri="http://schemas.microsoft.com/sharepoint/v3"/>
-    <ds:schemaRef ds:uri="http://schemas.openxmlformats.org/package/2006/metadata/core-properties"/>
-    <ds:schemaRef ds:uri="http://www.w3.org/XML/1998/namespace"/>
-    <ds:schemaRef ds:uri="http://purl.org/dc/dcmitype/"/>
+    <ds:schemaRef ds:uri="http://schemas.microsoft.com/edu/athena"/>
   </ds:schemaRefs>
 </ds:datastoreItem>
 </file>
 
 <file path=customXml/itemProps5.xml><?xml version="1.0" encoding="utf-8"?>
-<ds:datastoreItem xmlns:ds="http://schemas.openxmlformats.org/officeDocument/2006/customXml" ds:itemID="{70069BDD-983B-48E5-828A-F2EABCA58089}">
+<ds:datastoreItem xmlns:ds="http://schemas.openxmlformats.org/officeDocument/2006/customXml" ds:itemID="{0C66EC1C-3A5A-4373-B7C4-45F454930D87}">
   <ds:schemaRefs>
-    <ds:schemaRef ds:uri="http://schemas.microsoft.com/edu/athena"/>
+    <ds:schemaRef ds:uri="http://schemas.microsoft.com/office/2006/metadata/properties"/>
+    <ds:schemaRef ds:uri="http://schemas.microsoft.com/office/infopath/2007/PartnerControls"/>
+    <ds:schemaRef ds:uri="b1dcf5e4-b140-464e-ad28-2eb3e755d828"/>
+    <ds:schemaRef ds:uri="http://schemas.microsoft.com/sharepoint/v3"/>
   </ds:schemaRefs>
 </ds:datastoreItem>
 </file>
@@ -45503,7 +45514,7 @@
 </file>
 
 <file path=customXml/itemProps7.xml><?xml version="1.0" encoding="utf-8"?>
-<ds:datastoreItem xmlns:ds="http://schemas.openxmlformats.org/officeDocument/2006/customXml" ds:itemID="{5AF7638F-52A2-4CD1-9637-3CAF01104E6D}">
+<ds:datastoreItem xmlns:ds="http://schemas.openxmlformats.org/officeDocument/2006/customXml" ds:itemID="{70069BDD-983B-48E5-828A-F2EABCA58089}">
   <ds:schemaRefs>
     <ds:schemaRef ds:uri="http://schemas.microsoft.com/edu/athena"/>
   </ds:schemaRefs>
@@ -45511,9 +45522,18 @@
 </file>
 
 <file path=customXml/itemProps8.xml><?xml version="1.0" encoding="utf-8"?>
-<ds:datastoreItem xmlns:ds="http://schemas.openxmlformats.org/officeDocument/2006/customXml" ds:itemID="{6B384C8D-1C56-4977-BAAC-C3D67F61F69A}">
+<ds:datastoreItem xmlns:ds="http://schemas.openxmlformats.org/officeDocument/2006/customXml" ds:itemID="{2B9A5209-6B62-45AF-A291-0F45981CB3EB}">
   <ds:schemaRefs>
-    <ds:schemaRef ds:uri="http://schemas.microsoft.com/sharepoint/v3/contenttype/forms"/>
+    <ds:schemaRef ds:uri="http://purl.org/dc/elements/1.1/"/>
+    <ds:schemaRef ds:uri="http://schemas.microsoft.com/office/2006/metadata/properties"/>
+    <ds:schemaRef ds:uri="b1dcf5e4-b140-464e-ad28-2eb3e755d828"/>
+    <ds:schemaRef ds:uri="http://schemas.microsoft.com/office/infopath/2007/PartnerControls"/>
+    <ds:schemaRef ds:uri="http://purl.org/dc/terms/"/>
+    <ds:schemaRef ds:uri="http://schemas.microsoft.com/office/2006/documentManagement/types"/>
+    <ds:schemaRef ds:uri="http://schemas.microsoft.com/sharepoint/v3"/>
+    <ds:schemaRef ds:uri="http://schemas.openxmlformats.org/package/2006/metadata/core-properties"/>
+    <ds:schemaRef ds:uri="http://www.w3.org/XML/1998/namespace"/>
+    <ds:schemaRef ds:uri="http://purl.org/dc/dcmitype/"/>
   </ds:schemaRefs>
 </ds:datastoreItem>
 </file>